--- a/computer_science/ai/xai/xai.pptx
+++ b/computer_science/ai/xai/xai.pptx
@@ -112,6 +112,11 @@
       </a:defRPr>
     </a:lvl9pPr>
   </p:defaultTextStyle>
+  <p:extLst>
+    <p:ext uri="{EFAFB233-063F-42B5-8137-9DF3F51BA10A}">
+      <p15:sldGuideLst xmlns:p15="http://schemas.microsoft.com/office/powerpoint/2012/main"/>
+    </p:ext>
+  </p:extLst>
 </p:presentation>
 </file>
 
@@ -246,7 +251,7 @@
           <a:p>
             <a:fld id="{85CDC5AA-F08D-4DF5-8773-B91CE5BA1C39}" type="datetimeFigureOut">
               <a:rPr lang="zh-CN" altLang="en-US" smtClean="0"/>
-              <a:t>2019/3/27</a:t>
+              <a:t>2019/3/29</a:t>
             </a:fld>
             <a:endParaRPr lang="zh-CN" altLang="en-US"/>
           </a:p>
@@ -416,7 +421,7 @@
           <a:p>
             <a:fld id="{85CDC5AA-F08D-4DF5-8773-B91CE5BA1C39}" type="datetimeFigureOut">
               <a:rPr lang="zh-CN" altLang="en-US" smtClean="0"/>
-              <a:t>2019/3/27</a:t>
+              <a:t>2019/3/29</a:t>
             </a:fld>
             <a:endParaRPr lang="zh-CN" altLang="en-US"/>
           </a:p>
@@ -596,7 +601,7 @@
           <a:p>
             <a:fld id="{85CDC5AA-F08D-4DF5-8773-B91CE5BA1C39}" type="datetimeFigureOut">
               <a:rPr lang="zh-CN" altLang="en-US" smtClean="0"/>
-              <a:t>2019/3/27</a:t>
+              <a:t>2019/3/29</a:t>
             </a:fld>
             <a:endParaRPr lang="zh-CN" altLang="en-US"/>
           </a:p>
@@ -766,7 +771,7 @@
           <a:p>
             <a:fld id="{85CDC5AA-F08D-4DF5-8773-B91CE5BA1C39}" type="datetimeFigureOut">
               <a:rPr lang="zh-CN" altLang="en-US" smtClean="0"/>
-              <a:t>2019/3/27</a:t>
+              <a:t>2019/3/29</a:t>
             </a:fld>
             <a:endParaRPr lang="zh-CN" altLang="en-US"/>
           </a:p>
@@ -1012,7 +1017,7 @@
           <a:p>
             <a:fld id="{85CDC5AA-F08D-4DF5-8773-B91CE5BA1C39}" type="datetimeFigureOut">
               <a:rPr lang="zh-CN" altLang="en-US" smtClean="0"/>
-              <a:t>2019/3/27</a:t>
+              <a:t>2019/3/29</a:t>
             </a:fld>
             <a:endParaRPr lang="zh-CN" altLang="en-US"/>
           </a:p>
@@ -1244,7 +1249,7 @@
           <a:p>
             <a:fld id="{85CDC5AA-F08D-4DF5-8773-B91CE5BA1C39}" type="datetimeFigureOut">
               <a:rPr lang="zh-CN" altLang="en-US" smtClean="0"/>
-              <a:t>2019/3/27</a:t>
+              <a:t>2019/3/29</a:t>
             </a:fld>
             <a:endParaRPr lang="zh-CN" altLang="en-US"/>
           </a:p>
@@ -1611,7 +1616,7 @@
           <a:p>
             <a:fld id="{85CDC5AA-F08D-4DF5-8773-B91CE5BA1C39}" type="datetimeFigureOut">
               <a:rPr lang="zh-CN" altLang="en-US" smtClean="0"/>
-              <a:t>2019/3/27</a:t>
+              <a:t>2019/3/29</a:t>
             </a:fld>
             <a:endParaRPr lang="zh-CN" altLang="en-US"/>
           </a:p>
@@ -1729,7 +1734,7 @@
           <a:p>
             <a:fld id="{85CDC5AA-F08D-4DF5-8773-B91CE5BA1C39}" type="datetimeFigureOut">
               <a:rPr lang="zh-CN" altLang="en-US" smtClean="0"/>
-              <a:t>2019/3/27</a:t>
+              <a:t>2019/3/29</a:t>
             </a:fld>
             <a:endParaRPr lang="zh-CN" altLang="en-US"/>
           </a:p>
@@ -1824,7 +1829,7 @@
           <a:p>
             <a:fld id="{85CDC5AA-F08D-4DF5-8773-B91CE5BA1C39}" type="datetimeFigureOut">
               <a:rPr lang="zh-CN" altLang="en-US" smtClean="0"/>
-              <a:t>2019/3/27</a:t>
+              <a:t>2019/3/29</a:t>
             </a:fld>
             <a:endParaRPr lang="zh-CN" altLang="en-US"/>
           </a:p>
@@ -2101,7 +2106,7 @@
           <a:p>
             <a:fld id="{85CDC5AA-F08D-4DF5-8773-B91CE5BA1C39}" type="datetimeFigureOut">
               <a:rPr lang="zh-CN" altLang="en-US" smtClean="0"/>
-              <a:t>2019/3/27</a:t>
+              <a:t>2019/3/29</a:t>
             </a:fld>
             <a:endParaRPr lang="zh-CN" altLang="en-US"/>
           </a:p>
@@ -2354,7 +2359,7 @@
           <a:p>
             <a:fld id="{85CDC5AA-F08D-4DF5-8773-B91CE5BA1C39}" type="datetimeFigureOut">
               <a:rPr lang="zh-CN" altLang="en-US" smtClean="0"/>
-              <a:t>2019/3/27</a:t>
+              <a:t>2019/3/29</a:t>
             </a:fld>
             <a:endParaRPr lang="zh-CN" altLang="en-US"/>
           </a:p>
@@ -2567,7 +2572,7 @@
           <a:p>
             <a:fld id="{85CDC5AA-F08D-4DF5-8773-B91CE5BA1C39}" type="datetimeFigureOut">
               <a:rPr lang="zh-CN" altLang="en-US" smtClean="0"/>
-              <a:t>2019/3/27</a:t>
+              <a:t>2019/3/29</a:t>
             </a:fld>
             <a:endParaRPr lang="zh-CN" altLang="en-US"/>
           </a:p>
@@ -3000,49 +3005,40 @@
             <a:br>
               <a:rPr lang="en-US" altLang="zh-CN" dirty="0" smtClean="0"/>
             </a:br>
-            <a:r>
-              <a:rPr lang="zh-CN" altLang="en-US" sz="2400" dirty="0" smtClean="0"/>
-              <a:t>孟</a:t>
-            </a:r>
-            <a:r>
-              <a:rPr lang="zh-CN" altLang="en-US" sz="2400" dirty="0"/>
-              <a:t>庆</a:t>
-            </a:r>
-            <a:r>
-              <a:rPr lang="zh-CN" altLang="en-US" sz="2400" dirty="0" smtClean="0"/>
-              <a:t>钢</a:t>
-            </a:r>
-            <a:r>
-              <a:rPr lang="en-US" altLang="zh-CN" sz="2400" dirty="0" smtClean="0"/>
+            <a:endParaRPr lang="zh-CN" altLang="en-US" sz="2400" dirty="0"/>
+          </a:p>
+        </p:txBody>
+      </p:sp>
+      <p:sp>
+        <p:nvSpPr>
+          <p:cNvPr id="3" name="副标题 2"/>
+          <p:cNvSpPr>
+            <a:spLocks noGrp="1"/>
+          </p:cNvSpPr>
+          <p:nvPr>
+            <p:ph type="subTitle" idx="1"/>
+          </p:nvPr>
+        </p:nvSpPr>
+        <p:spPr/>
+        <p:txBody>
+          <a:bodyPr/>
+          <a:lstStyle/>
+          <a:p>
+            <a:r>
+              <a:rPr lang="zh-CN" altLang="en-US" dirty="0"/>
+              <a:t>孟庆钢</a:t>
+            </a:r>
+            <a:r>
+              <a:rPr lang="en-US" altLang="zh-CN" dirty="0"/>
               <a:t/>
             </a:r>
             <a:br>
-              <a:rPr lang="en-US" altLang="zh-CN" sz="2400" dirty="0" smtClean="0"/>
+              <a:rPr lang="en-US" altLang="zh-CN" dirty="0"/>
             </a:br>
             <a:r>
-              <a:rPr lang="en-US" altLang="zh-CN" sz="2400" dirty="0" smtClean="0"/>
+              <a:rPr lang="en-US" altLang="zh-CN" dirty="0"/>
               <a:t>2019.03.27</a:t>
             </a:r>
-            <a:endParaRPr lang="zh-CN" altLang="en-US" sz="2400" dirty="0"/>
-          </a:p>
-        </p:txBody>
-      </p:sp>
-      <p:sp>
-        <p:nvSpPr>
-          <p:cNvPr id="3" name="副标题 2"/>
-          <p:cNvSpPr>
-            <a:spLocks noGrp="1"/>
-          </p:cNvSpPr>
-          <p:nvPr>
-            <p:ph type="subTitle" idx="1"/>
-          </p:nvPr>
-        </p:nvSpPr>
-        <p:spPr/>
-        <p:txBody>
-          <a:bodyPr/>
-          <a:lstStyle/>
-          <a:p>
-            <a:pPr algn="l"/>
             <a:endParaRPr lang="zh-CN" altLang="en-US" dirty="0"/>
           </a:p>
         </p:txBody>

--- a/computer_science/ai/xai/xai.pptx
+++ b/computer_science/ai/xai/xai.pptx
@@ -4,16 +4,22 @@
   <p:sldMasterIdLst>
     <p:sldMasterId id="2147483648" r:id="rId1"/>
   </p:sldMasterIdLst>
+  <p:notesMasterIdLst>
+    <p:notesMasterId r:id="rId14"/>
+  </p:notesMasterIdLst>
   <p:sldIdLst>
     <p:sldId id="256" r:id="rId2"/>
     <p:sldId id="258" r:id="rId3"/>
-    <p:sldId id="257" r:id="rId4"/>
-    <p:sldId id="259" r:id="rId5"/>
-    <p:sldId id="260" r:id="rId6"/>
-    <p:sldId id="264" r:id="rId7"/>
-    <p:sldId id="261" r:id="rId8"/>
-    <p:sldId id="262" r:id="rId9"/>
-    <p:sldId id="263" r:id="rId10"/>
+    <p:sldId id="265" r:id="rId4"/>
+    <p:sldId id="266" r:id="rId5"/>
+    <p:sldId id="267" r:id="rId6"/>
+    <p:sldId id="257" r:id="rId7"/>
+    <p:sldId id="259" r:id="rId8"/>
+    <p:sldId id="260" r:id="rId9"/>
+    <p:sldId id="264" r:id="rId10"/>
+    <p:sldId id="261" r:id="rId11"/>
+    <p:sldId id="262" r:id="rId12"/>
+    <p:sldId id="263" r:id="rId13"/>
   </p:sldIdLst>
   <p:sldSz cx="12192000" cy="6858000"/>
   <p:notesSz cx="6858000" cy="9144000"/>
@@ -120,6 +126,616 @@
 </p:presentation>
 </file>
 
+<file path=ppt/notesMasters/notesMaster1.xml><?xml version="1.0" encoding="utf-8"?>
+<p:notesMaster xmlns:a="http://schemas.openxmlformats.org/drawingml/2006/main" xmlns:r="http://schemas.openxmlformats.org/officeDocument/2006/relationships" xmlns:p="http://schemas.openxmlformats.org/presentationml/2006/main">
+  <p:cSld>
+    <p:bg>
+      <p:bgRef idx="1001">
+        <a:schemeClr val="bg1"/>
+      </p:bgRef>
+    </p:bg>
+    <p:spTree>
+      <p:nvGrpSpPr>
+        <p:cNvPr id="1" name=""/>
+        <p:cNvGrpSpPr/>
+        <p:nvPr/>
+      </p:nvGrpSpPr>
+      <p:grpSpPr>
+        <a:xfrm>
+          <a:off x="0" y="0"/>
+          <a:ext cx="0" cy="0"/>
+          <a:chOff x="0" y="0"/>
+          <a:chExt cx="0" cy="0"/>
+        </a:xfrm>
+      </p:grpSpPr>
+      <p:sp>
+        <p:nvSpPr>
+          <p:cNvPr id="2" name="页眉占位符 1"/>
+          <p:cNvSpPr>
+            <a:spLocks noGrp="1"/>
+          </p:cNvSpPr>
+          <p:nvPr>
+            <p:ph type="hdr" sz="quarter"/>
+          </p:nvPr>
+        </p:nvSpPr>
+        <p:spPr>
+          <a:xfrm>
+            <a:off x="0" y="0"/>
+            <a:ext cx="2971800" cy="458788"/>
+          </a:xfrm>
+          <a:prstGeom prst="rect">
+            <a:avLst/>
+          </a:prstGeom>
+        </p:spPr>
+        <p:txBody>
+          <a:bodyPr vert="horz" lIns="91440" tIns="45720" rIns="91440" bIns="45720" rtlCol="0"/>
+          <a:lstStyle>
+            <a:lvl1pPr algn="l">
+              <a:defRPr sz="1200"/>
+            </a:lvl1pPr>
+          </a:lstStyle>
+          <a:p>
+            <a:endParaRPr lang="zh-CN" altLang="en-US"/>
+          </a:p>
+        </p:txBody>
+      </p:sp>
+      <p:sp>
+        <p:nvSpPr>
+          <p:cNvPr id="3" name="日期占位符 2"/>
+          <p:cNvSpPr>
+            <a:spLocks noGrp="1"/>
+          </p:cNvSpPr>
+          <p:nvPr>
+            <p:ph type="dt" idx="1"/>
+          </p:nvPr>
+        </p:nvSpPr>
+        <p:spPr>
+          <a:xfrm>
+            <a:off x="3884613" y="0"/>
+            <a:ext cx="2971800" cy="458788"/>
+          </a:xfrm>
+          <a:prstGeom prst="rect">
+            <a:avLst/>
+          </a:prstGeom>
+        </p:spPr>
+        <p:txBody>
+          <a:bodyPr vert="horz" lIns="91440" tIns="45720" rIns="91440" bIns="45720" rtlCol="0"/>
+          <a:lstStyle>
+            <a:lvl1pPr algn="r">
+              <a:defRPr sz="1200"/>
+            </a:lvl1pPr>
+          </a:lstStyle>
+          <a:p>
+            <a:fld id="{BB446247-C202-411B-B130-2BA2325D0A2F}" type="datetimeFigureOut">
+              <a:rPr lang="zh-CN" altLang="en-US" smtClean="0"/>
+              <a:t>2019/4/1</a:t>
+            </a:fld>
+            <a:endParaRPr lang="zh-CN" altLang="en-US"/>
+          </a:p>
+        </p:txBody>
+      </p:sp>
+      <p:sp>
+        <p:nvSpPr>
+          <p:cNvPr id="4" name="幻灯片图像占位符 3"/>
+          <p:cNvSpPr>
+            <a:spLocks noGrp="1" noRot="1" noChangeAspect="1"/>
+          </p:cNvSpPr>
+          <p:nvPr>
+            <p:ph type="sldImg" idx="2"/>
+          </p:nvPr>
+        </p:nvSpPr>
+        <p:spPr>
+          <a:xfrm>
+            <a:off x="685800" y="1143000"/>
+            <a:ext cx="5486400" cy="3086100"/>
+          </a:xfrm>
+          <a:prstGeom prst="rect">
+            <a:avLst/>
+          </a:prstGeom>
+          <a:noFill/>
+          <a:ln w="12700">
+            <a:solidFill>
+              <a:prstClr val="black"/>
+            </a:solidFill>
+          </a:ln>
+        </p:spPr>
+        <p:txBody>
+          <a:bodyPr vert="horz" lIns="91440" tIns="45720" rIns="91440" bIns="45720" rtlCol="0" anchor="ctr"/>
+          <a:lstStyle/>
+          <a:p>
+            <a:endParaRPr lang="zh-CN" altLang="en-US"/>
+          </a:p>
+        </p:txBody>
+      </p:sp>
+      <p:sp>
+        <p:nvSpPr>
+          <p:cNvPr id="5" name="备注占位符 4"/>
+          <p:cNvSpPr>
+            <a:spLocks noGrp="1"/>
+          </p:cNvSpPr>
+          <p:nvPr>
+            <p:ph type="body" sz="quarter" idx="3"/>
+          </p:nvPr>
+        </p:nvSpPr>
+        <p:spPr>
+          <a:xfrm>
+            <a:off x="685800" y="4400550"/>
+            <a:ext cx="5486400" cy="3600450"/>
+          </a:xfrm>
+          <a:prstGeom prst="rect">
+            <a:avLst/>
+          </a:prstGeom>
+        </p:spPr>
+        <p:txBody>
+          <a:bodyPr vert="horz" lIns="91440" tIns="45720" rIns="91440" bIns="45720" rtlCol="0"/>
+          <a:lstStyle/>
+          <a:p>
+            <a:pPr lvl="0"/>
+            <a:r>
+              <a:rPr lang="zh-CN" altLang="en-US" smtClean="0"/>
+              <a:t>编辑母版文本样式</a:t>
+            </a:r>
+          </a:p>
+          <a:p>
+            <a:pPr lvl="1"/>
+            <a:r>
+              <a:rPr lang="zh-CN" altLang="en-US" smtClean="0"/>
+              <a:t>第二级</a:t>
+            </a:r>
+          </a:p>
+          <a:p>
+            <a:pPr lvl="2"/>
+            <a:r>
+              <a:rPr lang="zh-CN" altLang="en-US" smtClean="0"/>
+              <a:t>第三级</a:t>
+            </a:r>
+          </a:p>
+          <a:p>
+            <a:pPr lvl="3"/>
+            <a:r>
+              <a:rPr lang="zh-CN" altLang="en-US" smtClean="0"/>
+              <a:t>第四级</a:t>
+            </a:r>
+          </a:p>
+          <a:p>
+            <a:pPr lvl="4"/>
+            <a:r>
+              <a:rPr lang="zh-CN" altLang="en-US" smtClean="0"/>
+              <a:t>第五级</a:t>
+            </a:r>
+            <a:endParaRPr lang="zh-CN" altLang="en-US"/>
+          </a:p>
+        </p:txBody>
+      </p:sp>
+      <p:sp>
+        <p:nvSpPr>
+          <p:cNvPr id="6" name="页脚占位符 5"/>
+          <p:cNvSpPr>
+            <a:spLocks noGrp="1"/>
+          </p:cNvSpPr>
+          <p:nvPr>
+            <p:ph type="ftr" sz="quarter" idx="4"/>
+          </p:nvPr>
+        </p:nvSpPr>
+        <p:spPr>
+          <a:xfrm>
+            <a:off x="0" y="8685213"/>
+            <a:ext cx="2971800" cy="458787"/>
+          </a:xfrm>
+          <a:prstGeom prst="rect">
+            <a:avLst/>
+          </a:prstGeom>
+        </p:spPr>
+        <p:txBody>
+          <a:bodyPr vert="horz" lIns="91440" tIns="45720" rIns="91440" bIns="45720" rtlCol="0" anchor="b"/>
+          <a:lstStyle>
+            <a:lvl1pPr algn="l">
+              <a:defRPr sz="1200"/>
+            </a:lvl1pPr>
+          </a:lstStyle>
+          <a:p>
+            <a:endParaRPr lang="zh-CN" altLang="en-US"/>
+          </a:p>
+        </p:txBody>
+      </p:sp>
+      <p:sp>
+        <p:nvSpPr>
+          <p:cNvPr id="7" name="灯片编号占位符 6"/>
+          <p:cNvSpPr>
+            <a:spLocks noGrp="1"/>
+          </p:cNvSpPr>
+          <p:nvPr>
+            <p:ph type="sldNum" sz="quarter" idx="5"/>
+          </p:nvPr>
+        </p:nvSpPr>
+        <p:spPr>
+          <a:xfrm>
+            <a:off x="3884613" y="8685213"/>
+            <a:ext cx="2971800" cy="458787"/>
+          </a:xfrm>
+          <a:prstGeom prst="rect">
+            <a:avLst/>
+          </a:prstGeom>
+        </p:spPr>
+        <p:txBody>
+          <a:bodyPr vert="horz" lIns="91440" tIns="45720" rIns="91440" bIns="45720" rtlCol="0" anchor="b"/>
+          <a:lstStyle>
+            <a:lvl1pPr algn="r">
+              <a:defRPr sz="1200"/>
+            </a:lvl1pPr>
+          </a:lstStyle>
+          <a:p>
+            <a:fld id="{88F32C15-CB80-4936-BF59-C0B6C001E6AF}" type="slidenum">
+              <a:rPr lang="zh-CN" altLang="en-US" smtClean="0"/>
+              <a:t>‹#›</a:t>
+            </a:fld>
+            <a:endParaRPr lang="zh-CN" altLang="en-US"/>
+          </a:p>
+        </p:txBody>
+      </p:sp>
+    </p:spTree>
+    <p:extLst>
+      <p:ext uri="{BB962C8B-B14F-4D97-AF65-F5344CB8AC3E}">
+        <p14:creationId xmlns:p14="http://schemas.microsoft.com/office/powerpoint/2010/main" val="4279704182"/>
+      </p:ext>
+    </p:extLst>
+  </p:cSld>
+  <p:clrMap bg1="lt1" tx1="dk1" bg2="lt2" tx2="dk2" accent1="accent1" accent2="accent2" accent3="accent3" accent4="accent4" accent5="accent5" accent6="accent6" hlink="hlink" folHlink="folHlink"/>
+  <p:notesStyle>
+    <a:lvl1pPr marL="0" algn="l" defTabSz="914400" rtl="0" eaLnBrk="1" latinLnBrk="0" hangingPunct="1">
+      <a:defRPr sz="1200" kern="1200">
+        <a:solidFill>
+          <a:schemeClr val="tx1"/>
+        </a:solidFill>
+        <a:latin typeface="+mn-lt"/>
+        <a:ea typeface="+mn-ea"/>
+        <a:cs typeface="+mn-cs"/>
+      </a:defRPr>
+    </a:lvl1pPr>
+    <a:lvl2pPr marL="457200" algn="l" defTabSz="914400" rtl="0" eaLnBrk="1" latinLnBrk="0" hangingPunct="1">
+      <a:defRPr sz="1200" kern="1200">
+        <a:solidFill>
+          <a:schemeClr val="tx1"/>
+        </a:solidFill>
+        <a:latin typeface="+mn-lt"/>
+        <a:ea typeface="+mn-ea"/>
+        <a:cs typeface="+mn-cs"/>
+      </a:defRPr>
+    </a:lvl2pPr>
+    <a:lvl3pPr marL="914400" algn="l" defTabSz="914400" rtl="0" eaLnBrk="1" latinLnBrk="0" hangingPunct="1">
+      <a:defRPr sz="1200" kern="1200">
+        <a:solidFill>
+          <a:schemeClr val="tx1"/>
+        </a:solidFill>
+        <a:latin typeface="+mn-lt"/>
+        <a:ea typeface="+mn-ea"/>
+        <a:cs typeface="+mn-cs"/>
+      </a:defRPr>
+    </a:lvl3pPr>
+    <a:lvl4pPr marL="1371600" algn="l" defTabSz="914400" rtl="0" eaLnBrk="1" latinLnBrk="0" hangingPunct="1">
+      <a:defRPr sz="1200" kern="1200">
+        <a:solidFill>
+          <a:schemeClr val="tx1"/>
+        </a:solidFill>
+        <a:latin typeface="+mn-lt"/>
+        <a:ea typeface="+mn-ea"/>
+        <a:cs typeface="+mn-cs"/>
+      </a:defRPr>
+    </a:lvl4pPr>
+    <a:lvl5pPr marL="1828800" algn="l" defTabSz="914400" rtl="0" eaLnBrk="1" latinLnBrk="0" hangingPunct="1">
+      <a:defRPr sz="1200" kern="1200">
+        <a:solidFill>
+          <a:schemeClr val="tx1"/>
+        </a:solidFill>
+        <a:latin typeface="+mn-lt"/>
+        <a:ea typeface="+mn-ea"/>
+        <a:cs typeface="+mn-cs"/>
+      </a:defRPr>
+    </a:lvl5pPr>
+    <a:lvl6pPr marL="2286000" algn="l" defTabSz="914400" rtl="0" eaLnBrk="1" latinLnBrk="0" hangingPunct="1">
+      <a:defRPr sz="1200" kern="1200">
+        <a:solidFill>
+          <a:schemeClr val="tx1"/>
+        </a:solidFill>
+        <a:latin typeface="+mn-lt"/>
+        <a:ea typeface="+mn-ea"/>
+        <a:cs typeface="+mn-cs"/>
+      </a:defRPr>
+    </a:lvl6pPr>
+    <a:lvl7pPr marL="2743200" algn="l" defTabSz="914400" rtl="0" eaLnBrk="1" latinLnBrk="0" hangingPunct="1">
+      <a:defRPr sz="1200" kern="1200">
+        <a:solidFill>
+          <a:schemeClr val="tx1"/>
+        </a:solidFill>
+        <a:latin typeface="+mn-lt"/>
+        <a:ea typeface="+mn-ea"/>
+        <a:cs typeface="+mn-cs"/>
+      </a:defRPr>
+    </a:lvl7pPr>
+    <a:lvl8pPr marL="3200400" algn="l" defTabSz="914400" rtl="0" eaLnBrk="1" latinLnBrk="0" hangingPunct="1">
+      <a:defRPr sz="1200" kern="1200">
+        <a:solidFill>
+          <a:schemeClr val="tx1"/>
+        </a:solidFill>
+        <a:latin typeface="+mn-lt"/>
+        <a:ea typeface="+mn-ea"/>
+        <a:cs typeface="+mn-cs"/>
+      </a:defRPr>
+    </a:lvl8pPr>
+    <a:lvl9pPr marL="3657600" algn="l" defTabSz="914400" rtl="0" eaLnBrk="1" latinLnBrk="0" hangingPunct="1">
+      <a:defRPr sz="1200" kern="1200">
+        <a:solidFill>
+          <a:schemeClr val="tx1"/>
+        </a:solidFill>
+        <a:latin typeface="+mn-lt"/>
+        <a:ea typeface="+mn-ea"/>
+        <a:cs typeface="+mn-cs"/>
+      </a:defRPr>
+    </a:lvl9pPr>
+  </p:notesStyle>
+</p:notesMaster>
+</file>
+
+<file path=ppt/notesSlides/notesSlide1.xml><?xml version="1.0" encoding="utf-8"?>
+<p:notes xmlns:a="http://schemas.openxmlformats.org/drawingml/2006/main" xmlns:r="http://schemas.openxmlformats.org/officeDocument/2006/relationships" xmlns:p="http://schemas.openxmlformats.org/presentationml/2006/main">
+  <p:cSld>
+    <p:spTree>
+      <p:nvGrpSpPr>
+        <p:cNvPr id="1" name=""/>
+        <p:cNvGrpSpPr/>
+        <p:nvPr/>
+      </p:nvGrpSpPr>
+      <p:grpSpPr>
+        <a:xfrm>
+          <a:off x="0" y="0"/>
+          <a:ext cx="0" cy="0"/>
+          <a:chOff x="0" y="0"/>
+          <a:chExt cx="0" cy="0"/>
+        </a:xfrm>
+      </p:grpSpPr>
+      <p:sp>
+        <p:nvSpPr>
+          <p:cNvPr id="2" name="幻灯片图像占位符 1"/>
+          <p:cNvSpPr>
+            <a:spLocks noGrp="1" noRot="1" noChangeAspect="1"/>
+          </p:cNvSpPr>
+          <p:nvPr>
+            <p:ph type="sldImg"/>
+          </p:nvPr>
+        </p:nvSpPr>
+        <p:spPr/>
+      </p:sp>
+      <p:sp>
+        <p:nvSpPr>
+          <p:cNvPr id="3" name="备注占位符 2"/>
+          <p:cNvSpPr>
+            <a:spLocks noGrp="1"/>
+          </p:cNvSpPr>
+          <p:nvPr>
+            <p:ph type="body" idx="1"/>
+          </p:nvPr>
+        </p:nvSpPr>
+        <p:spPr/>
+        <p:txBody>
+          <a:bodyPr/>
+          <a:lstStyle/>
+          <a:p>
+            <a:endParaRPr lang="zh-CN" altLang="en-US" dirty="0"/>
+          </a:p>
+        </p:txBody>
+      </p:sp>
+      <p:sp>
+        <p:nvSpPr>
+          <p:cNvPr id="4" name="灯片编号占位符 3"/>
+          <p:cNvSpPr>
+            <a:spLocks noGrp="1"/>
+          </p:cNvSpPr>
+          <p:nvPr>
+            <p:ph type="sldNum" sz="quarter" idx="10"/>
+          </p:nvPr>
+        </p:nvSpPr>
+        <p:spPr/>
+        <p:txBody>
+          <a:bodyPr/>
+          <a:lstStyle/>
+          <a:p>
+            <a:fld id="{88F32C15-CB80-4936-BF59-C0B6C001E6AF}" type="slidenum">
+              <a:rPr lang="zh-CN" altLang="en-US" smtClean="0"/>
+              <a:t>2</a:t>
+            </a:fld>
+            <a:endParaRPr lang="zh-CN" altLang="en-US"/>
+          </a:p>
+        </p:txBody>
+      </p:sp>
+    </p:spTree>
+    <p:extLst>
+      <p:ext uri="{BB962C8B-B14F-4D97-AF65-F5344CB8AC3E}">
+        <p14:creationId xmlns:p14="http://schemas.microsoft.com/office/powerpoint/2010/main" val="672930632"/>
+      </p:ext>
+    </p:extLst>
+  </p:cSld>
+  <p:clrMapOvr>
+    <a:masterClrMapping/>
+  </p:clrMapOvr>
+</p:notes>
+</file>
+
+<file path=ppt/notesSlides/notesSlide2.xml><?xml version="1.0" encoding="utf-8"?>
+<p:notes xmlns:a="http://schemas.openxmlformats.org/drawingml/2006/main" xmlns:r="http://schemas.openxmlformats.org/officeDocument/2006/relationships" xmlns:p="http://schemas.openxmlformats.org/presentationml/2006/main">
+  <p:cSld>
+    <p:spTree>
+      <p:nvGrpSpPr>
+        <p:cNvPr id="1" name=""/>
+        <p:cNvGrpSpPr/>
+        <p:nvPr/>
+      </p:nvGrpSpPr>
+      <p:grpSpPr>
+        <a:xfrm>
+          <a:off x="0" y="0"/>
+          <a:ext cx="0" cy="0"/>
+          <a:chOff x="0" y="0"/>
+          <a:chExt cx="0" cy="0"/>
+        </a:xfrm>
+      </p:grpSpPr>
+      <p:sp>
+        <p:nvSpPr>
+          <p:cNvPr id="2" name="幻灯片图像占位符 1"/>
+          <p:cNvSpPr>
+            <a:spLocks noGrp="1" noRot="1" noChangeAspect="1"/>
+          </p:cNvSpPr>
+          <p:nvPr>
+            <p:ph type="sldImg"/>
+          </p:nvPr>
+        </p:nvSpPr>
+        <p:spPr/>
+      </p:sp>
+      <p:sp>
+        <p:nvSpPr>
+          <p:cNvPr id="3" name="备注占位符 2"/>
+          <p:cNvSpPr>
+            <a:spLocks noGrp="1"/>
+          </p:cNvSpPr>
+          <p:nvPr>
+            <p:ph type="body" idx="1"/>
+          </p:nvPr>
+        </p:nvSpPr>
+        <p:spPr/>
+        <p:txBody>
+          <a:bodyPr/>
+          <a:lstStyle/>
+          <a:p>
+            <a:r>
+              <a:rPr lang="en-US" altLang="zh-CN" dirty="0" smtClean="0"/>
+              <a:t>Human Readability: When you’re making decisions for a company, your director or CEO isn’t interested in the data itself. Instead, they may be looking for reasons behind the interpretation and specifically what to do about it. Explainable AI gives the reasoning behind certain decisions, and that can both increase transparency and help offer better business understanding.</a:t>
+            </a:r>
+          </a:p>
+          <a:p>
+            <a:endParaRPr lang="en-US" altLang="zh-CN" dirty="0" smtClean="0"/>
+          </a:p>
+          <a:p>
+            <a:r>
+              <a:rPr lang="en-US" altLang="zh-CN" dirty="0" smtClean="0"/>
+              <a:t>Justifiability: In Europe, hiring and firing are often driven by large data sets, but employees have the right for a clear justification with any decision made that involves them. If you don’t know how the machine came to a conclusion, you don’t satisfy this fundamental right and could be subject to legal consequences.</a:t>
+            </a:r>
+          </a:p>
+          <a:p>
+            <a:endParaRPr lang="en-US" altLang="zh-CN" dirty="0" smtClean="0"/>
+          </a:p>
+          <a:p>
+            <a:r>
+              <a:rPr lang="en-US" altLang="zh-CN" dirty="0" smtClean="0"/>
+              <a:t>Discrimination: </a:t>
+            </a:r>
+            <a:r>
+              <a:rPr lang="en-US" altLang="zh-CN" sz="1200" b="0" i="0" kern="1200" dirty="0" smtClean="0">
+                <a:solidFill>
+                  <a:schemeClr val="tx1"/>
+                </a:solidFill>
+                <a:effectLst/>
+                <a:latin typeface="+mn-lt"/>
+                <a:ea typeface="+mn-ea"/>
+                <a:cs typeface="+mn-cs"/>
+              </a:rPr>
+              <a:t>It’s possible to unintentionally replicate discrimination through data sets. Discrimination can also take the form of feedback loops.</a:t>
+            </a:r>
+          </a:p>
+          <a:p>
+            <a:endParaRPr lang="en-US" altLang="zh-CN" sz="1200" b="0" i="0" u="none" kern="1200" dirty="0" smtClean="0">
+              <a:solidFill>
+                <a:schemeClr val="tx1"/>
+              </a:solidFill>
+              <a:effectLst/>
+              <a:latin typeface="+mn-lt"/>
+              <a:ea typeface="+mn-ea"/>
+              <a:cs typeface="+mn-cs"/>
+            </a:endParaRPr>
+          </a:p>
+          <a:p>
+            <a:r>
+              <a:rPr lang="en-US" altLang="zh-CN" dirty="0" smtClean="0"/>
+              <a:t>Facilitating improvement: </a:t>
+            </a:r>
+            <a:r>
+              <a:rPr lang="en-US" altLang="zh-CN" u="none" dirty="0" smtClean="0">
+                <a:solidFill>
+                  <a:schemeClr val="tx1"/>
+                </a:solidFill>
+              </a:rPr>
+              <a:t>Black box models don’t always list reasons behind the predictions. That can be good for prediction’s sake, but it makes it difficult to fix any problems that may come up. If your employees are leaving, black box machine learning may be able to predict who will leave, but it won’t tell you why.</a:t>
+            </a:r>
+          </a:p>
+          <a:p>
+            <a:endParaRPr lang="en-US" altLang="zh-CN" u="none" dirty="0" smtClean="0">
+              <a:solidFill>
+                <a:schemeClr val="tx1"/>
+              </a:solidFill>
+            </a:endParaRPr>
+          </a:p>
+          <a:p>
+            <a:r>
+              <a:rPr lang="en-US" altLang="zh-CN" u="none" dirty="0" smtClean="0">
+                <a:solidFill>
+                  <a:schemeClr val="tx1"/>
+                </a:solidFill>
+              </a:rPr>
+              <a:t>Eliminating Overfitting: </a:t>
+            </a:r>
+            <a:r>
+              <a:rPr lang="en-US" altLang="zh-CN" sz="1200" b="0" i="0" kern="1200" dirty="0" smtClean="0">
+                <a:solidFill>
+                  <a:schemeClr val="tx1"/>
+                </a:solidFill>
+                <a:effectLst/>
+                <a:latin typeface="+mn-lt"/>
+                <a:ea typeface="+mn-ea"/>
+                <a:cs typeface="+mn-cs"/>
+              </a:rPr>
+              <a:t>Black box models don’t always pick up the right kinds of relationships. Attempting to understand what relationships actually work and which ones aren’t valid can help you teach your machine to make better predictions overall.</a:t>
+            </a:r>
+            <a:endParaRPr lang="zh-CN" altLang="en-US" u="none" dirty="0">
+              <a:solidFill>
+                <a:schemeClr val="tx1"/>
+              </a:solidFill>
+            </a:endParaRPr>
+          </a:p>
+        </p:txBody>
+      </p:sp>
+      <p:sp>
+        <p:nvSpPr>
+          <p:cNvPr id="4" name="灯片编号占位符 3"/>
+          <p:cNvSpPr>
+            <a:spLocks noGrp="1"/>
+          </p:cNvSpPr>
+          <p:nvPr>
+            <p:ph type="sldNum" sz="quarter" idx="10"/>
+          </p:nvPr>
+        </p:nvSpPr>
+        <p:spPr/>
+        <p:txBody>
+          <a:bodyPr/>
+          <a:lstStyle/>
+          <a:p>
+            <a:fld id="{88F32C15-CB80-4936-BF59-C0B6C001E6AF}" type="slidenum">
+              <a:rPr lang="zh-CN" altLang="en-US" smtClean="0"/>
+              <a:t>4</a:t>
+            </a:fld>
+            <a:endParaRPr lang="zh-CN" altLang="en-US"/>
+          </a:p>
+        </p:txBody>
+      </p:sp>
+    </p:spTree>
+    <p:extLst>
+      <p:ext uri="{BB962C8B-B14F-4D97-AF65-F5344CB8AC3E}">
+        <p14:creationId xmlns:p14="http://schemas.microsoft.com/office/powerpoint/2010/main" val="1601053653"/>
+      </p:ext>
+    </p:extLst>
+  </p:cSld>
+  <p:clrMapOvr>
+    <a:masterClrMapping/>
+  </p:clrMapOvr>
+</p:notes>
+</file>
+
 <file path=ppt/slideLayouts/slideLayout1.xml><?xml version="1.0" encoding="utf-8"?>
 <p:sldLayout xmlns:a="http://schemas.openxmlformats.org/drawingml/2006/main" xmlns:r="http://schemas.openxmlformats.org/officeDocument/2006/relationships" xmlns:p="http://schemas.openxmlformats.org/presentationml/2006/main" type="title" preserve="1">
   <p:cSld name="标题幻灯片">
@@ -251,7 +867,7 @@
           <a:p>
             <a:fld id="{85CDC5AA-F08D-4DF5-8773-B91CE5BA1C39}" type="datetimeFigureOut">
               <a:rPr lang="zh-CN" altLang="en-US" smtClean="0"/>
-              <a:t>2019/3/29</a:t>
+              <a:t>2019/4/1</a:t>
             </a:fld>
             <a:endParaRPr lang="zh-CN" altLang="en-US"/>
           </a:p>
@@ -421,7 +1037,7 @@
           <a:p>
             <a:fld id="{85CDC5AA-F08D-4DF5-8773-B91CE5BA1C39}" type="datetimeFigureOut">
               <a:rPr lang="zh-CN" altLang="en-US" smtClean="0"/>
-              <a:t>2019/3/29</a:t>
+              <a:t>2019/4/1</a:t>
             </a:fld>
             <a:endParaRPr lang="zh-CN" altLang="en-US"/>
           </a:p>
@@ -601,7 +1217,7 @@
           <a:p>
             <a:fld id="{85CDC5AA-F08D-4DF5-8773-B91CE5BA1C39}" type="datetimeFigureOut">
               <a:rPr lang="zh-CN" altLang="en-US" smtClean="0"/>
-              <a:t>2019/3/29</a:t>
+              <a:t>2019/4/1</a:t>
             </a:fld>
             <a:endParaRPr lang="zh-CN" altLang="en-US"/>
           </a:p>
@@ -691,14 +1307,20 @@
         </p:nvSpPr>
         <p:spPr/>
         <p:txBody>
-          <a:bodyPr/>
-          <a:lstStyle/>
-          <a:p>
-            <a:r>
-              <a:rPr lang="zh-CN" altLang="en-US" smtClean="0"/>
+          <a:bodyPr>
+            <a:normAutofit/>
+          </a:bodyPr>
+          <a:lstStyle>
+            <a:lvl1pPr>
+              <a:defRPr sz="4800"/>
+            </a:lvl1pPr>
+          </a:lstStyle>
+          <a:p>
+            <a:r>
+              <a:rPr lang="zh-CN" altLang="en-US" dirty="0" smtClean="0"/>
               <a:t>单击此处编辑母版标题样式</a:t>
             </a:r>
-            <a:endParaRPr lang="zh-CN" altLang="en-US"/>
+            <a:endParaRPr lang="zh-CN" altLang="en-US" dirty="0"/>
           </a:p>
         </p:txBody>
       </p:sp>
@@ -719,38 +1341,38 @@
           <a:p>
             <a:pPr lvl="0"/>
             <a:r>
-              <a:rPr lang="zh-CN" altLang="en-US" smtClean="0"/>
+              <a:rPr lang="zh-CN" altLang="en-US" dirty="0" smtClean="0"/>
               <a:t>编辑母版文本样式</a:t>
             </a:r>
           </a:p>
           <a:p>
             <a:pPr lvl="1"/>
             <a:r>
-              <a:rPr lang="zh-CN" altLang="en-US" smtClean="0"/>
+              <a:rPr lang="zh-CN" altLang="en-US" dirty="0" smtClean="0"/>
               <a:t>第二级</a:t>
             </a:r>
           </a:p>
           <a:p>
             <a:pPr lvl="2"/>
             <a:r>
-              <a:rPr lang="zh-CN" altLang="en-US" smtClean="0"/>
+              <a:rPr lang="zh-CN" altLang="en-US" dirty="0" smtClean="0"/>
               <a:t>第三级</a:t>
             </a:r>
           </a:p>
           <a:p>
             <a:pPr lvl="3"/>
             <a:r>
-              <a:rPr lang="zh-CN" altLang="en-US" smtClean="0"/>
+              <a:rPr lang="zh-CN" altLang="en-US" dirty="0" smtClean="0"/>
               <a:t>第四级</a:t>
             </a:r>
           </a:p>
           <a:p>
             <a:pPr lvl="4"/>
             <a:r>
-              <a:rPr lang="zh-CN" altLang="en-US" smtClean="0"/>
+              <a:rPr lang="zh-CN" altLang="en-US" dirty="0" smtClean="0"/>
               <a:t>第五级</a:t>
             </a:r>
-            <a:endParaRPr lang="zh-CN" altLang="en-US"/>
+            <a:endParaRPr lang="zh-CN" altLang="en-US" dirty="0"/>
           </a:p>
         </p:txBody>
       </p:sp>
@@ -771,7 +1393,7 @@
           <a:p>
             <a:fld id="{85CDC5AA-F08D-4DF5-8773-B91CE5BA1C39}" type="datetimeFigureOut">
               <a:rPr lang="zh-CN" altLang="en-US" smtClean="0"/>
-              <a:t>2019/3/29</a:t>
+              <a:t>2019/4/1</a:t>
             </a:fld>
             <a:endParaRPr lang="zh-CN" altLang="en-US"/>
           </a:p>
@@ -1017,7 +1639,7 @@
           <a:p>
             <a:fld id="{85CDC5AA-F08D-4DF5-8773-B91CE5BA1C39}" type="datetimeFigureOut">
               <a:rPr lang="zh-CN" altLang="en-US" smtClean="0"/>
-              <a:t>2019/3/29</a:t>
+              <a:t>2019/4/1</a:t>
             </a:fld>
             <a:endParaRPr lang="zh-CN" altLang="en-US"/>
           </a:p>
@@ -1249,7 +1871,7 @@
           <a:p>
             <a:fld id="{85CDC5AA-F08D-4DF5-8773-B91CE5BA1C39}" type="datetimeFigureOut">
               <a:rPr lang="zh-CN" altLang="en-US" smtClean="0"/>
-              <a:t>2019/3/29</a:t>
+              <a:t>2019/4/1</a:t>
             </a:fld>
             <a:endParaRPr lang="zh-CN" altLang="en-US"/>
           </a:p>
@@ -1616,7 +2238,7 @@
           <a:p>
             <a:fld id="{85CDC5AA-F08D-4DF5-8773-B91CE5BA1C39}" type="datetimeFigureOut">
               <a:rPr lang="zh-CN" altLang="en-US" smtClean="0"/>
-              <a:t>2019/3/29</a:t>
+              <a:t>2019/4/1</a:t>
             </a:fld>
             <a:endParaRPr lang="zh-CN" altLang="en-US"/>
           </a:p>
@@ -1734,7 +2356,7 @@
           <a:p>
             <a:fld id="{85CDC5AA-F08D-4DF5-8773-B91CE5BA1C39}" type="datetimeFigureOut">
               <a:rPr lang="zh-CN" altLang="en-US" smtClean="0"/>
-              <a:t>2019/3/29</a:t>
+              <a:t>2019/4/1</a:t>
             </a:fld>
             <a:endParaRPr lang="zh-CN" altLang="en-US"/>
           </a:p>
@@ -1829,7 +2451,7 @@
           <a:p>
             <a:fld id="{85CDC5AA-F08D-4DF5-8773-B91CE5BA1C39}" type="datetimeFigureOut">
               <a:rPr lang="zh-CN" altLang="en-US" smtClean="0"/>
-              <a:t>2019/3/29</a:t>
+              <a:t>2019/4/1</a:t>
             </a:fld>
             <a:endParaRPr lang="zh-CN" altLang="en-US"/>
           </a:p>
@@ -2106,7 +2728,7 @@
           <a:p>
             <a:fld id="{85CDC5AA-F08D-4DF5-8773-B91CE5BA1C39}" type="datetimeFigureOut">
               <a:rPr lang="zh-CN" altLang="en-US" smtClean="0"/>
-              <a:t>2019/3/29</a:t>
+              <a:t>2019/4/1</a:t>
             </a:fld>
             <a:endParaRPr lang="zh-CN" altLang="en-US"/>
           </a:p>
@@ -2359,7 +2981,7 @@
           <a:p>
             <a:fld id="{85CDC5AA-F08D-4DF5-8773-B91CE5BA1C39}" type="datetimeFigureOut">
               <a:rPr lang="zh-CN" altLang="en-US" smtClean="0"/>
-              <a:t>2019/3/29</a:t>
+              <a:t>2019/4/1</a:t>
             </a:fld>
             <a:endParaRPr lang="zh-CN" altLang="en-US"/>
           </a:p>
@@ -2572,7 +3194,7 @@
           <a:p>
             <a:fld id="{85CDC5AA-F08D-4DF5-8773-B91CE5BA1C39}" type="datetimeFigureOut">
               <a:rPr lang="zh-CN" altLang="en-US" smtClean="0"/>
-              <a:t>2019/3/29</a:t>
+              <a:t>2019/4/1</a:t>
             </a:fld>
             <a:endParaRPr lang="zh-CN" altLang="en-US"/>
           </a:p>
@@ -2987,25 +3609,29 @@
             <p:ph type="ctrTitle"/>
           </p:nvPr>
         </p:nvSpPr>
-        <p:spPr/>
+        <p:spPr>
+          <a:xfrm>
+            <a:off x="0" y="1122363"/>
+            <a:ext cx="12192000" cy="2387600"/>
+          </a:xfrm>
+        </p:spPr>
         <p:txBody>
           <a:bodyPr>
-            <a:normAutofit/>
+            <a:noAutofit/>
           </a:bodyPr>
           <a:lstStyle/>
           <a:p>
             <a:r>
-              <a:rPr lang="en-US" altLang="zh-CN" sz="7200" dirty="0" smtClean="0"/>
-              <a:t>Explainable AI</a:t>
-            </a:r>
-            <a:r>
-              <a:rPr lang="en-US" altLang="zh-CN" dirty="0" smtClean="0"/>
-              <a:t/>
-            </a:r>
-            <a:br>
-              <a:rPr lang="en-US" altLang="zh-CN" dirty="0" smtClean="0"/>
-            </a:br>
-            <a:endParaRPr lang="zh-CN" altLang="en-US" sz="2400" dirty="0"/>
+              <a:rPr lang="en-US" altLang="zh-CN" b="1" dirty="0" smtClean="0">
+                <a:latin typeface="Times New Roman" panose="02020603050405020304" pitchFamily="18" charset="0"/>
+                <a:cs typeface="Times New Roman" panose="02020603050405020304" pitchFamily="18" charset="0"/>
+              </a:rPr>
+              <a:t>Explainable Artificial Intelligence</a:t>
+            </a:r>
+            <a:endParaRPr lang="zh-CN" altLang="en-US" b="1" dirty="0">
+              <a:latin typeface="Times New Roman" panose="02020603050405020304" pitchFamily="18" charset="0"/>
+              <a:cs typeface="Times New Roman" panose="02020603050405020304" pitchFamily="18" charset="0"/>
+            </a:endParaRPr>
           </a:p>
         </p:txBody>
       </p:sp>
@@ -3025,7 +3651,10 @@
           <a:lstStyle/>
           <a:p>
             <a:r>
-              <a:rPr lang="zh-CN" altLang="en-US" dirty="0"/>
+              <a:rPr lang="zh-CN" altLang="en-US" dirty="0">
+                <a:latin typeface="楷体" panose="02010609060101010101" pitchFamily="49" charset="-122"/>
+                <a:ea typeface="楷体" panose="02010609060101010101" pitchFamily="49" charset="-122"/>
+              </a:rPr>
               <a:t>孟庆钢</a:t>
             </a:r>
             <a:r>
@@ -3036,10 +3665,16 @@
               <a:rPr lang="en-US" altLang="zh-CN" dirty="0"/>
             </a:br>
             <a:r>
-              <a:rPr lang="en-US" altLang="zh-CN" dirty="0"/>
+              <a:rPr lang="en-US" altLang="zh-CN" dirty="0">
+                <a:latin typeface="Times New Roman" panose="02020603050405020304" pitchFamily="18" charset="0"/>
+                <a:cs typeface="Times New Roman" panose="02020603050405020304" pitchFamily="18" charset="0"/>
+              </a:rPr>
               <a:t>2019.03.27</a:t>
             </a:r>
-            <a:endParaRPr lang="zh-CN" altLang="en-US" dirty="0"/>
+            <a:endParaRPr lang="zh-CN" altLang="en-US" dirty="0">
+              <a:latin typeface="Times New Roman" panose="02020603050405020304" pitchFamily="18" charset="0"/>
+              <a:cs typeface="Times New Roman" panose="02020603050405020304" pitchFamily="18" charset="0"/>
+            </a:endParaRPr>
           </a:p>
         </p:txBody>
       </p:sp>
@@ -3063,6 +3698,270 @@
 </p:sld>
 </file>
 
+<file path=ppt/slides/slide10.xml><?xml version="1.0" encoding="utf-8"?>
+<p:sld xmlns:a="http://schemas.openxmlformats.org/drawingml/2006/main" xmlns:r="http://schemas.openxmlformats.org/officeDocument/2006/relationships" xmlns:p="http://schemas.openxmlformats.org/presentationml/2006/main">
+  <p:cSld>
+    <p:spTree>
+      <p:nvGrpSpPr>
+        <p:cNvPr id="1" name=""/>
+        <p:cNvGrpSpPr/>
+        <p:nvPr/>
+      </p:nvGrpSpPr>
+      <p:grpSpPr>
+        <a:xfrm>
+          <a:off x="0" y="0"/>
+          <a:ext cx="0" cy="0"/>
+          <a:chOff x="0" y="0"/>
+          <a:chExt cx="0" cy="0"/>
+        </a:xfrm>
+      </p:grpSpPr>
+      <p:sp>
+        <p:nvSpPr>
+          <p:cNvPr id="2" name="标题 1"/>
+          <p:cNvSpPr>
+            <a:spLocks noGrp="1"/>
+          </p:cNvSpPr>
+          <p:nvPr>
+            <p:ph type="title"/>
+          </p:nvPr>
+        </p:nvSpPr>
+        <p:spPr/>
+        <p:txBody>
+          <a:bodyPr>
+            <a:normAutofit fontScale="90000"/>
+          </a:bodyPr>
+          <a:lstStyle/>
+          <a:p>
+            <a:r>
+              <a:rPr lang="en-US" altLang="zh-CN" dirty="0" smtClean="0"/>
+              <a:t>Post-Hoc Methods</a:t>
+            </a:r>
+            <a:br>
+              <a:rPr lang="en-US" altLang="zh-CN" dirty="0" smtClean="0"/>
+            </a:br>
+            <a:endParaRPr lang="zh-CN" altLang="en-US" dirty="0"/>
+          </a:p>
+        </p:txBody>
+      </p:sp>
+      <p:sp>
+        <p:nvSpPr>
+          <p:cNvPr id="3" name="内容占位符 2"/>
+          <p:cNvSpPr>
+            <a:spLocks noGrp="1"/>
+          </p:cNvSpPr>
+          <p:nvPr>
+            <p:ph idx="1"/>
+          </p:nvPr>
+        </p:nvSpPr>
+        <p:spPr/>
+        <p:txBody>
+          <a:bodyPr>
+            <a:normAutofit fontScale="92500" lnSpcReduction="10000"/>
+          </a:bodyPr>
+          <a:lstStyle/>
+          <a:p>
+            <a:r>
+              <a:rPr lang="en-US" altLang="zh-CN" dirty="0" smtClean="0"/>
+              <a:t>Local Interpretable Model-Agnostic Explanations (LIME)</a:t>
+            </a:r>
+          </a:p>
+          <a:p>
+            <a:pPr lvl="1"/>
+            <a:r>
+              <a:rPr lang="en-US" altLang="zh-CN" dirty="0"/>
+              <a:t>This isn’t a purely transparent model as it provides the explanation after a decision has been made. Hence it can have wide range of applications as it isn’t customized to one domain unlike RETAIN. For example for an image classification problem using a CNN, we get the probability distribution over classes. Then we make small changes to input to see how it affects the distribution and collect the results. Then using a linear interpretable model, on the collected perturbation set, we can explain changed in the key features extracted with their weights telling us how prominent they are. It blacks out different parts of the original image and feeds the resulting “perturbed” images back through the model, checking to see which perturbations throw the algorithm off the furthest to derive reasoning behind the algorithms decisions. For example, for an image of a tree frog, LIME found that erasing parts of the frog’s face made it much harder for the model to identify the image, showing that much of the original classification decision was based on the frog’s face. LIME is generally applicable to image classifications tasks.</a:t>
+            </a:r>
+            <a:endParaRPr lang="en-US" altLang="zh-CN" dirty="0" smtClean="0"/>
+          </a:p>
+          <a:p>
+            <a:endParaRPr lang="zh-CN" altLang="en-US" dirty="0"/>
+          </a:p>
+        </p:txBody>
+      </p:sp>
+    </p:spTree>
+    <p:extLst>
+      <p:ext uri="{BB962C8B-B14F-4D97-AF65-F5344CB8AC3E}">
+        <p14:creationId xmlns:p14="http://schemas.microsoft.com/office/powerpoint/2010/main" val="1381922251"/>
+      </p:ext>
+    </p:extLst>
+  </p:cSld>
+  <p:clrMapOvr>
+    <a:masterClrMapping/>
+  </p:clrMapOvr>
+</p:sld>
+</file>
+
+<file path=ppt/slides/slide11.xml><?xml version="1.0" encoding="utf-8"?>
+<p:sld xmlns:a="http://schemas.openxmlformats.org/drawingml/2006/main" xmlns:r="http://schemas.openxmlformats.org/officeDocument/2006/relationships" xmlns:p="http://schemas.openxmlformats.org/presentationml/2006/main">
+  <p:cSld>
+    <p:spTree>
+      <p:nvGrpSpPr>
+        <p:cNvPr id="1" name=""/>
+        <p:cNvGrpSpPr/>
+        <p:nvPr/>
+      </p:nvGrpSpPr>
+      <p:grpSpPr>
+        <a:xfrm>
+          <a:off x="0" y="0"/>
+          <a:ext cx="0" cy="0"/>
+          <a:chOff x="0" y="0"/>
+          <a:chExt cx="0" cy="0"/>
+        </a:xfrm>
+      </p:grpSpPr>
+      <p:sp>
+        <p:nvSpPr>
+          <p:cNvPr id="2" name="标题 1"/>
+          <p:cNvSpPr>
+            <a:spLocks noGrp="1"/>
+          </p:cNvSpPr>
+          <p:nvPr>
+            <p:ph type="title"/>
+          </p:nvPr>
+        </p:nvSpPr>
+        <p:spPr/>
+        <p:txBody>
+          <a:bodyPr/>
+          <a:lstStyle/>
+          <a:p>
+            <a:r>
+              <a:rPr lang="en-US" altLang="zh-CN" dirty="0" smtClean="0"/>
+              <a:t>Post-Hoc Methods</a:t>
+            </a:r>
+            <a:endParaRPr lang="zh-CN" altLang="en-US" dirty="0"/>
+          </a:p>
+        </p:txBody>
+      </p:sp>
+      <p:sp>
+        <p:nvSpPr>
+          <p:cNvPr id="3" name="内容占位符 2"/>
+          <p:cNvSpPr>
+            <a:spLocks noGrp="1"/>
+          </p:cNvSpPr>
+          <p:nvPr>
+            <p:ph idx="1"/>
+          </p:nvPr>
+        </p:nvSpPr>
+        <p:spPr/>
+        <p:txBody>
+          <a:bodyPr/>
+          <a:lstStyle/>
+          <a:p>
+            <a:r>
+              <a:rPr lang="en-US" altLang="zh-CN" dirty="0" smtClean="0"/>
+              <a:t>Layer-wise Relevance Propagation (LRP)</a:t>
+            </a:r>
+          </a:p>
+          <a:p>
+            <a:pPr lvl="1"/>
+            <a:r>
+              <a:rPr lang="en-US" altLang="zh-CN" dirty="0" smtClean="0"/>
+              <a:t>This approach is based on the principles of redistribution and conservation. Here when we have an image and probability distribution of classes, we redistribute these to the input pixels, layer by layer. We can decide the relevance of inputs and features by going backwards using Deep CNN to extract relevant features before identifying similarity between the images in feature space. We try to infer pixel-level details of the images that may have significantly informed the model’s choice.</a:t>
+            </a:r>
+          </a:p>
+          <a:p>
+            <a:endParaRPr lang="zh-CN" altLang="en-US" dirty="0"/>
+          </a:p>
+        </p:txBody>
+      </p:sp>
+    </p:spTree>
+    <p:extLst>
+      <p:ext uri="{BB962C8B-B14F-4D97-AF65-F5344CB8AC3E}">
+        <p14:creationId xmlns:p14="http://schemas.microsoft.com/office/powerpoint/2010/main" val="2081911095"/>
+      </p:ext>
+    </p:extLst>
+  </p:cSld>
+  <p:clrMapOvr>
+    <a:masterClrMapping/>
+  </p:clrMapOvr>
+</p:sld>
+</file>
+
+<file path=ppt/slides/slide12.xml><?xml version="1.0" encoding="utf-8"?>
+<p:sld xmlns:a="http://schemas.openxmlformats.org/drawingml/2006/main" xmlns:r="http://schemas.openxmlformats.org/officeDocument/2006/relationships" xmlns:p="http://schemas.openxmlformats.org/presentationml/2006/main">
+  <p:cSld>
+    <p:spTree>
+      <p:nvGrpSpPr>
+        <p:cNvPr id="1" name=""/>
+        <p:cNvGrpSpPr/>
+        <p:nvPr/>
+      </p:nvGrpSpPr>
+      <p:grpSpPr>
+        <a:xfrm>
+          <a:off x="0" y="0"/>
+          <a:ext cx="0" cy="0"/>
+          <a:chOff x="0" y="0"/>
+          <a:chExt cx="0" cy="0"/>
+        </a:xfrm>
+      </p:grpSpPr>
+      <p:sp>
+        <p:nvSpPr>
+          <p:cNvPr id="2" name="标题 1"/>
+          <p:cNvSpPr>
+            <a:spLocks noGrp="1"/>
+          </p:cNvSpPr>
+          <p:nvPr>
+            <p:ph type="title"/>
+          </p:nvPr>
+        </p:nvSpPr>
+        <p:spPr/>
+        <p:txBody>
+          <a:bodyPr/>
+          <a:lstStyle/>
+          <a:p>
+            <a:r>
+              <a:rPr lang="en-US" altLang="zh-CN" dirty="0" smtClean="0"/>
+              <a:t>Post-Hoc Methods</a:t>
+            </a:r>
+            <a:endParaRPr lang="zh-CN" altLang="en-US" dirty="0"/>
+          </a:p>
+        </p:txBody>
+      </p:sp>
+      <p:sp>
+        <p:nvSpPr>
+          <p:cNvPr id="3" name="内容占位符 2"/>
+          <p:cNvSpPr>
+            <a:spLocks noGrp="1"/>
+          </p:cNvSpPr>
+          <p:nvPr>
+            <p:ph idx="1"/>
+          </p:nvPr>
+        </p:nvSpPr>
+        <p:spPr/>
+        <p:txBody>
+          <a:bodyPr/>
+          <a:lstStyle/>
+          <a:p>
+            <a:r>
+              <a:rPr lang="en-US" altLang="zh-CN" dirty="0" smtClean="0"/>
+              <a:t>BETA</a:t>
+            </a:r>
+          </a:p>
+          <a:p>
+            <a:pPr lvl="1"/>
+            <a:r>
+              <a:rPr lang="en-US" altLang="zh-CN" dirty="0" smtClean="0"/>
+              <a:t>BETA is closely connected to Interpretable Decision Sets. BETA learns a compact two-level decision set in which each rule explains part of the model behavior unambiguously. It uses a objective function so that the learning process is optimized for high fidelity (high agreement between explanation and the model), low unambiguity (little overlaps between decision rules in the explanation), and high interpretability (the explanation decision set is lightweight and small). These aspects are combined into one objection function to optimize for.</a:t>
+            </a:r>
+            <a:endParaRPr lang="zh-CN" altLang="en-US" dirty="0" smtClean="0"/>
+          </a:p>
+          <a:p>
+            <a:endParaRPr lang="zh-CN" altLang="en-US" dirty="0"/>
+          </a:p>
+        </p:txBody>
+      </p:sp>
+    </p:spTree>
+    <p:extLst>
+      <p:ext uri="{BB962C8B-B14F-4D97-AF65-F5344CB8AC3E}">
+        <p14:creationId xmlns:p14="http://schemas.microsoft.com/office/powerpoint/2010/main" val="21897208"/>
+      </p:ext>
+    </p:extLst>
+  </p:cSld>
+  <p:clrMapOvr>
+    <a:masterClrMapping/>
+  </p:clrMapOvr>
+</p:sld>
+</file>
+
 <file path=ppt/slides/slide2.xml><?xml version="1.0" encoding="utf-8"?>
 <p:sld xmlns:a="http://schemas.openxmlformats.org/drawingml/2006/main" xmlns:r="http://schemas.openxmlformats.org/officeDocument/2006/relationships" xmlns:p="http://schemas.openxmlformats.org/presentationml/2006/main">
   <p:cSld>
@@ -3092,14 +3991,29 @@
         </p:nvSpPr>
         <p:spPr/>
         <p:txBody>
-          <a:bodyPr/>
-          <a:lstStyle/>
-          <a:p>
-            <a:r>
-              <a:rPr lang="en-US" altLang="zh-CN" dirty="0" smtClean="0"/>
-              <a:t>Background</a:t>
-            </a:r>
-            <a:endParaRPr lang="zh-CN" altLang="en-US" dirty="0"/>
+          <a:bodyPr>
+            <a:normAutofit/>
+          </a:bodyPr>
+          <a:lstStyle/>
+          <a:p>
+            <a:r>
+              <a:rPr lang="en-US" altLang="zh-CN" sz="4800" b="1" dirty="0">
+                <a:latin typeface="Times New Roman" panose="02020603050405020304" pitchFamily="18" charset="0"/>
+                <a:cs typeface="Times New Roman" panose="02020603050405020304" pitchFamily="18" charset="0"/>
+              </a:rPr>
+              <a:t>Explainable Artificial </a:t>
+            </a:r>
+            <a:r>
+              <a:rPr lang="en-US" altLang="zh-CN" sz="4800" b="1" dirty="0" smtClean="0">
+                <a:latin typeface="Times New Roman" panose="02020603050405020304" pitchFamily="18" charset="0"/>
+                <a:cs typeface="Times New Roman" panose="02020603050405020304" pitchFamily="18" charset="0"/>
+              </a:rPr>
+              <a:t>Intelligence (XAI)</a:t>
+            </a:r>
+            <a:endParaRPr lang="zh-CN" altLang="en-US" sz="4800" b="1" dirty="0">
+              <a:latin typeface="Times New Roman" panose="02020603050405020304" pitchFamily="18" charset="0"/>
+              <a:cs typeface="Times New Roman" panose="02020603050405020304" pitchFamily="18" charset="0"/>
+            </a:endParaRPr>
           </a:p>
         </p:txBody>
       </p:sp>
@@ -3119,48 +4033,50 @@
           <a:lstStyle/>
           <a:p>
             <a:r>
-              <a:rPr lang="en-US" altLang="zh-CN" dirty="0" smtClean="0"/>
-              <a:t>AI technology may </a:t>
-            </a:r>
-            <a:r>
-              <a:rPr lang="en-US" altLang="zh-CN" dirty="0"/>
-              <a:t>have trouble explaining why their algorithm gave a </a:t>
-            </a:r>
-            <a:r>
-              <a:rPr lang="en-US" altLang="zh-CN" dirty="0" smtClean="0"/>
-              <a:t>decision</a:t>
-            </a:r>
-            <a:r>
-              <a:rPr lang="zh-CN" altLang="en-US" dirty="0" smtClean="0"/>
-              <a:t>。</a:t>
-            </a:r>
-            <a:endParaRPr lang="en-US" altLang="zh-CN" dirty="0" smtClean="0"/>
-          </a:p>
-          <a:p>
-            <a:r>
-              <a:rPr lang="en-US" altLang="zh-CN" dirty="0"/>
-              <a:t>T</a:t>
-            </a:r>
-            <a:r>
-              <a:rPr lang="en-US" altLang="zh-CN" dirty="0" smtClean="0"/>
-              <a:t>he </a:t>
-            </a:r>
-            <a:r>
-              <a:rPr lang="en-US" altLang="zh-CN" dirty="0"/>
-              <a:t>laymen end-user may not simply trust the </a:t>
-            </a:r>
-            <a:r>
-              <a:rPr lang="en-US" altLang="zh-CN" dirty="0" smtClean="0"/>
-              <a:t>machine’s predictions </a:t>
-            </a:r>
-            <a:r>
-              <a:rPr lang="en-US" altLang="zh-CN" dirty="0"/>
-              <a:t>without contextual proof and reasoning.</a:t>
-            </a:r>
-            <a:endParaRPr lang="zh-CN" altLang="en-US" dirty="0"/>
-          </a:p>
-        </p:txBody>
-      </p:sp>
+              <a:rPr lang="en-US" altLang="zh-CN" dirty="0">
+                <a:latin typeface="Times New Roman" panose="02020603050405020304" pitchFamily="18" charset="0"/>
+                <a:cs typeface="Times New Roman" panose="02020603050405020304" pitchFamily="18" charset="0"/>
+              </a:rPr>
+              <a:t>From Prediction To </a:t>
+            </a:r>
+            <a:r>
+              <a:rPr lang="en-US" altLang="zh-CN" dirty="0" smtClean="0">
+                <a:latin typeface="Times New Roman" panose="02020603050405020304" pitchFamily="18" charset="0"/>
+                <a:cs typeface="Times New Roman" panose="02020603050405020304" pitchFamily="18" charset="0"/>
+              </a:rPr>
+              <a:t>Understanding</a:t>
+            </a:r>
+            <a:endParaRPr lang="en-US" altLang="zh-CN" dirty="0">
+              <a:latin typeface="Times New Roman" panose="02020603050405020304" pitchFamily="18" charset="0"/>
+              <a:cs typeface="Times New Roman" panose="02020603050405020304" pitchFamily="18" charset="0"/>
+            </a:endParaRPr>
+          </a:p>
+        </p:txBody>
+      </p:sp>
+      <p:pic>
+        <p:nvPicPr>
+          <p:cNvPr id="5" name="图片 4"/>
+          <p:cNvPicPr>
+            <a:picLocks noChangeAspect="1"/>
+          </p:cNvPicPr>
+          <p:nvPr/>
+        </p:nvPicPr>
+        <p:blipFill>
+          <a:blip r:embed="rId3"/>
+          <a:stretch>
+            <a:fillRect/>
+          </a:stretch>
+        </p:blipFill>
+        <p:spPr>
+          <a:xfrm>
+            <a:off x="838200" y="2681354"/>
+            <a:ext cx="9972944" cy="3495609"/>
+          </a:xfrm>
+          <a:prstGeom prst="rect">
+            <a:avLst/>
+          </a:prstGeom>
+        </p:spPr>
+      </p:pic>
     </p:spTree>
     <p:extLst>
       <p:ext uri="{BB962C8B-B14F-4D97-AF65-F5344CB8AC3E}">
@@ -3171,6 +4087,13 @@
   <p:clrMapOvr>
     <a:masterClrMapping/>
   </p:clrMapOvr>
+  <p:timing>
+    <p:tnLst>
+      <p:par>
+        <p:cTn id="1" dur="indefinite" restart="never" nodeType="tmRoot"/>
+      </p:par>
+    </p:tnLst>
+  </p:timing>
 </p:sld>
 </file>
 
@@ -3207,10 +4130,23 @@
           <a:lstStyle/>
           <a:p>
             <a:r>
-              <a:rPr lang="en-US" altLang="zh-CN" dirty="0" smtClean="0"/>
-              <a:t>What is Explainable AI (XAI)?</a:t>
-            </a:r>
-            <a:endParaRPr lang="zh-CN" altLang="en-US" dirty="0"/>
+              <a:rPr lang="en-US" altLang="zh-CN" b="1" dirty="0" smtClean="0">
+                <a:latin typeface="Times New Roman" panose="02020603050405020304" pitchFamily="18" charset="0"/>
+                <a:cs typeface="Times New Roman" panose="02020603050405020304" pitchFamily="18" charset="0"/>
+              </a:rPr>
+              <a:t>Why</a:t>
+            </a:r>
+            <a:r>
+              <a:rPr lang="zh-CN" altLang="en-US" b="1" dirty="0" smtClean="0">
+                <a:latin typeface="Times New Roman" panose="02020603050405020304" pitchFamily="18" charset="0"/>
+                <a:cs typeface="Times New Roman" panose="02020603050405020304" pitchFamily="18" charset="0"/>
+              </a:rPr>
+              <a:t>？</a:t>
+            </a:r>
+            <a:endParaRPr lang="zh-CN" altLang="en-US" b="1" dirty="0">
+              <a:latin typeface="Times New Roman" panose="02020603050405020304" pitchFamily="18" charset="0"/>
+              <a:cs typeface="Times New Roman" panose="02020603050405020304" pitchFamily="18" charset="0"/>
+            </a:endParaRPr>
           </a:p>
         </p:txBody>
       </p:sp>
@@ -3230,20 +4166,23 @@
           <a:lstStyle/>
           <a:p>
             <a:r>
-              <a:rPr lang="en-US" altLang="zh-CN" dirty="0" smtClean="0"/>
-              <a:t>Explainable AI (XAI) is any technology that can accurately explain a decision or action at the individual level.</a:t>
-            </a:r>
-            <a:endParaRPr lang="zh-CN" altLang="en-US" dirty="0" smtClean="0"/>
-          </a:p>
-          <a:p>
-            <a:endParaRPr lang="zh-CN" altLang="en-US" dirty="0"/>
+              <a:rPr lang="en-US" altLang="zh-CN" dirty="0">
+                <a:latin typeface="Times New Roman" panose="02020603050405020304" pitchFamily="18" charset="0"/>
+                <a:cs typeface="Times New Roman" panose="02020603050405020304" pitchFamily="18" charset="0"/>
+              </a:rPr>
+              <a:t>Just because you model something doesn’t mean you really know how it works.</a:t>
+            </a:r>
+            <a:endParaRPr lang="zh-CN" altLang="en-US" dirty="0">
+              <a:latin typeface="Times New Roman" panose="02020603050405020304" pitchFamily="18" charset="0"/>
+              <a:cs typeface="Times New Roman" panose="02020603050405020304" pitchFamily="18" charset="0"/>
+            </a:endParaRPr>
           </a:p>
         </p:txBody>
       </p:sp>
     </p:spTree>
     <p:extLst>
       <p:ext uri="{BB962C8B-B14F-4D97-AF65-F5344CB8AC3E}">
-        <p14:creationId xmlns:p14="http://schemas.microsoft.com/office/powerpoint/2010/main" val="1476218791"/>
+        <p14:creationId xmlns:p14="http://schemas.microsoft.com/office/powerpoint/2010/main" val="2605407026"/>
       </p:ext>
     </p:extLst>
   </p:cSld>
@@ -3293,52 +4232,102 @@
           <a:lstStyle/>
           <a:p>
             <a:r>
+              <a:rPr lang="en-US" altLang="zh-CN" b="1" dirty="0"/>
+              <a:t>Why</a:t>
+            </a:r>
+            <a:r>
+              <a:rPr lang="zh-CN" altLang="en-US" b="1" dirty="0"/>
+              <a:t>？</a:t>
+            </a:r>
+          </a:p>
+        </p:txBody>
+      </p:sp>
+      <p:sp>
+        <p:nvSpPr>
+          <p:cNvPr id="3" name="内容占位符 2"/>
+          <p:cNvSpPr>
+            <a:spLocks noGrp="1"/>
+          </p:cNvSpPr>
+          <p:nvPr>
+            <p:ph idx="1"/>
+          </p:nvPr>
+        </p:nvSpPr>
+        <p:spPr/>
+        <p:txBody>
+          <a:bodyPr/>
+          <a:lstStyle/>
+          <a:p>
+            <a:r>
+              <a:rPr lang="en-US" altLang="zh-CN" dirty="0"/>
+              <a:t>Human </a:t>
+            </a:r>
+            <a:r>
               <a:rPr lang="en-US" altLang="zh-CN" dirty="0" smtClean="0"/>
-              <a:t>Methods</a:t>
-            </a:r>
-            <a:endParaRPr lang="zh-CN" altLang="en-US" dirty="0"/>
-          </a:p>
-        </p:txBody>
-      </p:sp>
-      <p:sp>
-        <p:nvSpPr>
-          <p:cNvPr id="3" name="内容占位符 2"/>
-          <p:cNvSpPr>
-            <a:spLocks noGrp="1"/>
-          </p:cNvSpPr>
-          <p:nvPr>
-            <p:ph idx="1"/>
-          </p:nvPr>
-        </p:nvSpPr>
-        <p:spPr/>
-        <p:txBody>
-          <a:bodyPr/>
-          <a:lstStyle/>
+              <a:t>Readability </a:t>
+            </a:r>
+            <a:r>
+              <a:rPr lang="en-US" altLang="zh-CN" dirty="0" smtClean="0">
+                <a:hlinkClick r:id="rId3"/>
+              </a:rPr>
+              <a:t>link</a:t>
+            </a:r>
+            <a:endParaRPr lang="en-US" altLang="zh-CN" dirty="0" smtClean="0"/>
+          </a:p>
           <a:p>
             <a:r>
               <a:rPr lang="en-US" altLang="zh-CN" dirty="0" smtClean="0"/>
-              <a:t>Ante-Hoc Methods</a:t>
-            </a:r>
-          </a:p>
-          <a:p>
-            <a:pPr lvl="1"/>
+              <a:t>Justifiability </a:t>
+            </a:r>
+            <a:r>
+              <a:rPr lang="en-US" altLang="zh-CN" dirty="0" smtClean="0">
+                <a:hlinkClick r:id="rId4"/>
+              </a:rPr>
+              <a:t>link</a:t>
+            </a:r>
+            <a:endParaRPr lang="en-US" altLang="zh-CN" dirty="0" smtClean="0"/>
+          </a:p>
+          <a:p>
+            <a:r>
+              <a:rPr lang="en-US" altLang="zh-CN" dirty="0" smtClean="0"/>
+              <a:t>Discrimination </a:t>
+            </a:r>
+            <a:r>
+              <a:rPr lang="en-US" altLang="zh-CN" dirty="0" smtClean="0">
+                <a:hlinkClick r:id="rId5"/>
+              </a:rPr>
+              <a:t>link</a:t>
+            </a:r>
+            <a:endParaRPr lang="en-US" altLang="zh-CN" dirty="0" smtClean="0"/>
+          </a:p>
+          <a:p>
             <a:r>
               <a:rPr lang="en-US" altLang="zh-CN" dirty="0"/>
-              <a:t>Ante-hoc techniques entail baking explainability into a model from the beginning.</a:t>
+              <a:t>Facilitating </a:t>
+            </a:r>
+            <a:r>
+              <a:rPr lang="en-US" altLang="zh-CN" dirty="0" smtClean="0"/>
+              <a:t>improvement</a:t>
+            </a:r>
+            <a:r>
+              <a:rPr lang="en-US" altLang="zh-CN" dirty="0"/>
+              <a:t> </a:t>
+            </a:r>
+            <a:r>
+              <a:rPr lang="en-US" altLang="zh-CN" dirty="0" smtClean="0">
+                <a:hlinkClick r:id="rId6"/>
+              </a:rPr>
+              <a:t>link</a:t>
             </a:r>
             <a:endParaRPr lang="en-US" altLang="zh-CN" dirty="0" smtClean="0"/>
           </a:p>
           <a:p>
             <a:r>
+              <a:rPr lang="en-US" altLang="zh-CN" dirty="0"/>
+              <a:t>Eliminating </a:t>
+            </a:r>
+            <a:r>
               <a:rPr lang="en-US" altLang="zh-CN" dirty="0" smtClean="0"/>
-              <a:t>Post-Hoc Methods</a:t>
-            </a:r>
-          </a:p>
-          <a:p>
-            <a:pPr lvl="1"/>
-            <a:r>
-              <a:rPr lang="en-US" altLang="zh-CN" dirty="0"/>
-              <a:t>Post-hoc techniques allow models to be trained normally, with explainability only being incorporated at testing time.</a:t>
+              <a:t>Overfitting link</a:t>
             </a:r>
             <a:endParaRPr lang="zh-CN" altLang="en-US" dirty="0"/>
           </a:p>
@@ -3347,13 +4336,20 @@
     </p:spTree>
     <p:extLst>
       <p:ext uri="{BB962C8B-B14F-4D97-AF65-F5344CB8AC3E}">
-        <p14:creationId xmlns:p14="http://schemas.microsoft.com/office/powerpoint/2010/main" val="2148206336"/>
+        <p14:creationId xmlns:p14="http://schemas.microsoft.com/office/powerpoint/2010/main" val="4105200950"/>
       </p:ext>
     </p:extLst>
   </p:cSld>
   <p:clrMapOvr>
     <a:masterClrMapping/>
   </p:clrMapOvr>
+  <p:timing>
+    <p:tnLst>
+      <p:par>
+        <p:cTn id="1" dur="indefinite" restart="never" nodeType="tmRoot"/>
+      </p:par>
+    </p:tnLst>
+  </p:timing>
 </p:sld>
 </file>
 
@@ -3390,42 +4386,102 @@
           <a:lstStyle/>
           <a:p>
             <a:r>
+              <a:rPr lang="en-US" altLang="zh-CN" b="1" dirty="0">
+                <a:latin typeface="Times New Roman" panose="02020603050405020304" pitchFamily="18" charset="0"/>
+                <a:cs typeface="Times New Roman" panose="02020603050405020304" pitchFamily="18" charset="0"/>
+              </a:rPr>
+              <a:t>Methods For Understanding </a:t>
+            </a:r>
+            <a:r>
+              <a:rPr lang="en-US" altLang="zh-CN" b="1" dirty="0" smtClean="0">
+                <a:latin typeface="Times New Roman" panose="02020603050405020304" pitchFamily="18" charset="0"/>
+                <a:cs typeface="Times New Roman" panose="02020603050405020304" pitchFamily="18" charset="0"/>
+              </a:rPr>
+              <a:t>Data</a:t>
+            </a:r>
+            <a:endParaRPr lang="zh-CN" altLang="en-US" dirty="0">
+              <a:latin typeface="Times New Roman" panose="02020603050405020304" pitchFamily="18" charset="0"/>
+              <a:cs typeface="Times New Roman" panose="02020603050405020304" pitchFamily="18" charset="0"/>
+            </a:endParaRPr>
+          </a:p>
+        </p:txBody>
+      </p:sp>
+      <p:sp>
+        <p:nvSpPr>
+          <p:cNvPr id="3" name="内容占位符 2"/>
+          <p:cNvSpPr>
+            <a:spLocks noGrp="1"/>
+          </p:cNvSpPr>
+          <p:nvPr>
+            <p:ph idx="1"/>
+          </p:nvPr>
+        </p:nvSpPr>
+        <p:spPr/>
+        <p:txBody>
+          <a:bodyPr/>
+          <a:lstStyle/>
+          <a:p>
+            <a:r>
+              <a:rPr lang="en-US" altLang="zh-CN" dirty="0" smtClean="0">
+                <a:latin typeface="Times New Roman" panose="02020603050405020304" pitchFamily="18" charset="0"/>
+                <a:cs typeface="Times New Roman" panose="02020603050405020304" pitchFamily="18" charset="0"/>
+              </a:rPr>
+              <a:t>Non-Topological</a:t>
+            </a:r>
+          </a:p>
+          <a:p>
+            <a:pPr lvl="1"/>
+            <a:r>
+              <a:rPr lang="en-US" altLang="zh-CN" dirty="0"/>
+              <a:t>Dimensionality </a:t>
+            </a:r>
+            <a:r>
               <a:rPr lang="en-US" altLang="zh-CN" dirty="0" smtClean="0"/>
-              <a:t>Ante-Hoc Methods</a:t>
-            </a:r>
-            <a:endParaRPr lang="zh-CN" altLang="en-US" dirty="0"/>
-          </a:p>
-        </p:txBody>
-      </p:sp>
-      <p:sp>
-        <p:nvSpPr>
-          <p:cNvPr id="3" name="内容占位符 2"/>
-          <p:cNvSpPr>
-            <a:spLocks noGrp="1"/>
-          </p:cNvSpPr>
-          <p:nvPr>
-            <p:ph idx="1"/>
-          </p:nvPr>
-        </p:nvSpPr>
-        <p:spPr/>
-        <p:txBody>
-          <a:bodyPr>
-            <a:normAutofit/>
-          </a:bodyPr>
-          <a:lstStyle/>
-          <a:p>
+              <a:t>reduction (manifold learning)</a:t>
+            </a:r>
+          </a:p>
+          <a:p>
+            <a:pPr lvl="2"/>
             <a:r>
               <a:rPr lang="en-US" altLang="zh-CN" dirty="0" smtClean="0"/>
-              <a:t>Reversed Time Attention Model (RETAIN)</a:t>
+              <a:t>PCA,</a:t>
+            </a:r>
+            <a:r>
+              <a:rPr lang="en-US" altLang="zh-CN" dirty="0"/>
+              <a:t> </a:t>
+            </a:r>
+            <a:r>
+              <a:rPr lang="en-US" altLang="zh-CN" dirty="0" smtClean="0"/>
+              <a:t> T-SNE, </a:t>
+            </a:r>
+            <a:r>
+              <a:rPr lang="en-US" altLang="zh-CN" dirty="0"/>
+              <a:t>Isometry</a:t>
+            </a:r>
+            <a:endParaRPr lang="en-US" altLang="zh-CN" dirty="0" smtClean="0"/>
+          </a:p>
+          <a:p>
+            <a:r>
+              <a:rPr lang="en-US" altLang="zh-CN" dirty="0"/>
+              <a:t>Topological Data </a:t>
+            </a:r>
+            <a:r>
+              <a:rPr lang="en-US" altLang="zh-CN" dirty="0" smtClean="0"/>
+              <a:t>Analysis</a:t>
             </a:r>
           </a:p>
           <a:p>
             <a:pPr lvl="1"/>
             <a:r>
               <a:rPr lang="en-US" altLang="zh-CN" dirty="0"/>
-              <a:t>The attention mechanism helped explain which part the neural network was focusing on and which features helped influence its choice.</a:t>
-            </a:r>
-            <a:endParaRPr lang="en-US" altLang="zh-CN" dirty="0" smtClean="0"/>
+              <a:t>TDA</a:t>
+            </a:r>
+          </a:p>
+          <a:p>
+            <a:endParaRPr lang="en-US" altLang="zh-CN" dirty="0">
+              <a:latin typeface="Times New Roman" panose="02020603050405020304" pitchFamily="18" charset="0"/>
+              <a:cs typeface="Times New Roman" panose="02020603050405020304" pitchFamily="18" charset="0"/>
+            </a:endParaRPr>
           </a:p>
           <a:p>
             <a:endParaRPr lang="zh-CN" altLang="en-US" dirty="0"/>
@@ -3435,7 +4491,7 @@
     </p:spTree>
     <p:extLst>
       <p:ext uri="{BB962C8B-B14F-4D97-AF65-F5344CB8AC3E}">
-        <p14:creationId xmlns:p14="http://schemas.microsoft.com/office/powerpoint/2010/main" val="2171683806"/>
+        <p14:creationId xmlns:p14="http://schemas.microsoft.com/office/powerpoint/2010/main" val="1038872506"/>
       </p:ext>
     </p:extLst>
   </p:cSld>
@@ -3479,7 +4535,7 @@
           <a:p>
             <a:r>
               <a:rPr lang="en-US" altLang="zh-CN" dirty="0" smtClean="0"/>
-              <a:t>Ante-Hoc Methods</a:t>
+              <a:t>What is Explainable AI (XAI)?</a:t>
             </a:r>
             <a:endParaRPr lang="zh-CN" altLang="en-US" dirty="0"/>
           </a:p>
@@ -3502,15 +4558,9 @@
           <a:p>
             <a:r>
               <a:rPr lang="en-US" altLang="zh-CN" dirty="0" smtClean="0"/>
-              <a:t>Bayesian Deep Learning (BDL)</a:t>
-            </a:r>
-          </a:p>
-          <a:p>
-            <a:pPr lvl="1"/>
-            <a:r>
-              <a:rPr lang="en-US" altLang="zh-CN" dirty="0" smtClean="0"/>
-              <a:t>BDL enables one to gauge how uncertain a neural network is about its predictions. These deep architectures can model complex tasks by leveraging the hierarchical representation power of deep learning, while also being able to infer complex multi-modal posterior distributions. Bayesian deep learning models typically form uncertainty estimates by either placing distributions over model weights, or by learning a direct mapping to probabilistic outputs. By knowing the weight distributions of various predictions and classes, we can tell a lot about what feature led to what decisions and the relative important of it.</a:t>
-            </a:r>
+              <a:t>Explainable AI (XAI) is any technology that can accurately explain a decision or action at the individual level.</a:t>
+            </a:r>
+            <a:endParaRPr lang="zh-CN" altLang="en-US" dirty="0" smtClean="0"/>
           </a:p>
           <a:p>
             <a:endParaRPr lang="zh-CN" altLang="en-US" dirty="0"/>
@@ -3520,13 +4570,20 @@
     </p:spTree>
     <p:extLst>
       <p:ext uri="{BB962C8B-B14F-4D97-AF65-F5344CB8AC3E}">
-        <p14:creationId xmlns:p14="http://schemas.microsoft.com/office/powerpoint/2010/main" val="1676451032"/>
+        <p14:creationId xmlns:p14="http://schemas.microsoft.com/office/powerpoint/2010/main" val="1476218791"/>
       </p:ext>
     </p:extLst>
   </p:cSld>
   <p:clrMapOvr>
     <a:masterClrMapping/>
   </p:clrMapOvr>
+  <p:timing>
+    <p:tnLst>
+      <p:par>
+        <p:cTn id="1" dur="indefinite" restart="never" nodeType="tmRoot"/>
+      </p:par>
+    </p:tnLst>
+  </p:timing>
 </p:sld>
 </file>
 
@@ -3564,46 +4621,52 @@
           <a:p>
             <a:r>
               <a:rPr lang="en-US" altLang="zh-CN" dirty="0" smtClean="0"/>
+              <a:t>Methods</a:t>
+            </a:r>
+            <a:endParaRPr lang="zh-CN" altLang="en-US" dirty="0"/>
+          </a:p>
+        </p:txBody>
+      </p:sp>
+      <p:sp>
+        <p:nvSpPr>
+          <p:cNvPr id="3" name="内容占位符 2"/>
+          <p:cNvSpPr>
+            <a:spLocks noGrp="1"/>
+          </p:cNvSpPr>
+          <p:nvPr>
+            <p:ph idx="1"/>
+          </p:nvPr>
+        </p:nvSpPr>
+        <p:spPr/>
+        <p:txBody>
+          <a:bodyPr/>
+          <a:lstStyle/>
+          <a:p>
+            <a:r>
+              <a:rPr lang="en-US" altLang="zh-CN" dirty="0" smtClean="0"/>
+              <a:t>Ante-Hoc Methods</a:t>
+            </a:r>
+          </a:p>
+          <a:p>
+            <a:pPr lvl="1"/>
+            <a:r>
+              <a:rPr lang="en-US" altLang="zh-CN" dirty="0"/>
+              <a:t>Ante-hoc techniques entail baking explainability into a model from the beginning.</a:t>
+            </a:r>
+            <a:endParaRPr lang="en-US" altLang="zh-CN" dirty="0" smtClean="0"/>
+          </a:p>
+          <a:p>
+            <a:r>
+              <a:rPr lang="en-US" altLang="zh-CN" dirty="0" smtClean="0"/>
               <a:t>Post-Hoc Methods</a:t>
             </a:r>
-            <a:br>
-              <a:rPr lang="en-US" altLang="zh-CN" dirty="0" smtClean="0"/>
-            </a:br>
-            <a:endParaRPr lang="zh-CN" altLang="en-US" dirty="0"/>
-          </a:p>
-        </p:txBody>
-      </p:sp>
-      <p:sp>
-        <p:nvSpPr>
-          <p:cNvPr id="3" name="内容占位符 2"/>
-          <p:cNvSpPr>
-            <a:spLocks noGrp="1"/>
-          </p:cNvSpPr>
-          <p:nvPr>
-            <p:ph idx="1"/>
-          </p:nvPr>
-        </p:nvSpPr>
-        <p:spPr/>
-        <p:txBody>
-          <a:bodyPr>
-            <a:normAutofit fontScale="92500" lnSpcReduction="20000"/>
-          </a:bodyPr>
-          <a:lstStyle/>
-          <a:p>
-            <a:r>
-              <a:rPr lang="en-US" altLang="zh-CN" dirty="0" smtClean="0"/>
-              <a:t>Local Interpretable Model-Agnostic Explanations (LIME)</a:t>
-            </a:r>
           </a:p>
           <a:p>
             <a:pPr lvl="1"/>
             <a:r>
               <a:rPr lang="en-US" altLang="zh-CN" dirty="0"/>
-              <a:t>This isn’t a purely transparent model as it provides the explanation after a decision has been made. Hence it can have wide range of applications as it isn’t customized to one domain unlike RETAIN. For example for an image classification problem using a CNN, we get the probability distribution over classes. Then we make small changes to input to see how it affects the distribution and collect the results. Then using a linear interpretable model, on the collected perturbation set, we can explain changed in the key features extracted with their weights telling us how prominent they are. It blacks out different parts of the original image and feeds the resulting “perturbed” images back through the model, checking to see which perturbations throw the algorithm off the furthest to derive reasoning behind the algorithms decisions. For example, for an image of a tree frog, LIME found that erasing parts of the frog’s face made it much harder for the model to identify the image, showing that much of the original classification decision was based on the frog’s face. LIME is generally applicable to image classifications tasks.</a:t>
-            </a:r>
-            <a:endParaRPr lang="en-US" altLang="zh-CN" dirty="0" smtClean="0"/>
-          </a:p>
-          <a:p>
+              <a:t>Post-hoc techniques allow models to be trained normally, with explainability only being incorporated at testing time.</a:t>
+            </a:r>
             <a:endParaRPr lang="zh-CN" altLang="en-US" dirty="0"/>
           </a:p>
         </p:txBody>
@@ -3611,13 +4674,20 @@
     </p:spTree>
     <p:extLst>
       <p:ext uri="{BB962C8B-B14F-4D97-AF65-F5344CB8AC3E}">
-        <p14:creationId xmlns:p14="http://schemas.microsoft.com/office/powerpoint/2010/main" val="1381922251"/>
+        <p14:creationId xmlns:p14="http://schemas.microsoft.com/office/powerpoint/2010/main" val="2148206336"/>
       </p:ext>
     </p:extLst>
   </p:cSld>
   <p:clrMapOvr>
     <a:masterClrMapping/>
   </p:clrMapOvr>
+  <p:timing>
+    <p:tnLst>
+      <p:par>
+        <p:cTn id="1" dur="indefinite" restart="never" nodeType="tmRoot"/>
+      </p:par>
+    </p:tnLst>
+  </p:timing>
 </p:sld>
 </file>
 
@@ -3655,7 +4725,7 @@
           <a:p>
             <a:r>
               <a:rPr lang="en-US" altLang="zh-CN" dirty="0" smtClean="0"/>
-              <a:t>Post-Hoc Methods</a:t>
+              <a:t>Ante-Hoc Methods</a:t>
             </a:r>
             <a:endParaRPr lang="zh-CN" altLang="en-US" dirty="0"/>
           </a:p>
@@ -3673,20 +4743,23 @@
         </p:nvSpPr>
         <p:spPr/>
         <p:txBody>
-          <a:bodyPr/>
+          <a:bodyPr>
+            <a:normAutofit/>
+          </a:bodyPr>
           <a:lstStyle/>
           <a:p>
             <a:r>
               <a:rPr lang="en-US" altLang="zh-CN" dirty="0" smtClean="0"/>
-              <a:t>Layer-wise Relevance Propagation (LRP)</a:t>
+              <a:t>Reversed Time Attention Model (RETAIN)</a:t>
             </a:r>
           </a:p>
           <a:p>
             <a:pPr lvl="1"/>
             <a:r>
-              <a:rPr lang="en-US" altLang="zh-CN" dirty="0" smtClean="0"/>
-              <a:t>This approach is based on the principles of redistribution and conservation. Here when we have an image and probability distribution of classes, we redistribute these to the input pixels, layer by layer. We can decide the relevance of inputs and features by going backwards using Deep CNN to extract relevant features before identifying similarity between the images in feature space. We try to infer pixel-level details of the images that may have significantly informed the model’s choice.</a:t>
-            </a:r>
+              <a:rPr lang="en-US" altLang="zh-CN" dirty="0"/>
+              <a:t>The attention mechanism helped explain which part the neural network was focusing on and which features helped influence its choice.</a:t>
+            </a:r>
+            <a:endParaRPr lang="en-US" altLang="zh-CN" dirty="0" smtClean="0"/>
           </a:p>
           <a:p>
             <a:endParaRPr lang="zh-CN" altLang="en-US" dirty="0"/>
@@ -3696,13 +4769,20 @@
     </p:spTree>
     <p:extLst>
       <p:ext uri="{BB962C8B-B14F-4D97-AF65-F5344CB8AC3E}">
-        <p14:creationId xmlns:p14="http://schemas.microsoft.com/office/powerpoint/2010/main" val="2081911095"/>
+        <p14:creationId xmlns:p14="http://schemas.microsoft.com/office/powerpoint/2010/main" val="2171683806"/>
       </p:ext>
     </p:extLst>
   </p:cSld>
   <p:clrMapOvr>
     <a:masterClrMapping/>
   </p:clrMapOvr>
+  <p:timing>
+    <p:tnLst>
+      <p:par>
+        <p:cTn id="1" dur="indefinite" restart="never" nodeType="tmRoot"/>
+      </p:par>
+    </p:tnLst>
+  </p:timing>
 </p:sld>
 </file>
 
@@ -3740,7 +4820,7 @@
           <a:p>
             <a:r>
               <a:rPr lang="en-US" altLang="zh-CN" dirty="0" smtClean="0"/>
-              <a:t>Post-Hoc Methods</a:t>
+              <a:t>Ante-Hoc Methods</a:t>
             </a:r>
             <a:endParaRPr lang="zh-CN" altLang="en-US" dirty="0"/>
           </a:p>
@@ -3763,16 +4843,15 @@
           <a:p>
             <a:r>
               <a:rPr lang="en-US" altLang="zh-CN" dirty="0" smtClean="0"/>
-              <a:t>BETA</a:t>
+              <a:t>Bayesian Deep Learning (BDL)</a:t>
             </a:r>
           </a:p>
           <a:p>
             <a:pPr lvl="1"/>
             <a:r>
               <a:rPr lang="en-US" altLang="zh-CN" dirty="0" smtClean="0"/>
-              <a:t>BETA is closely connected to Interpretable Decision Sets. BETA learns a compact two-level decision set in which each rule explains part of the model behavior unambiguously. It uses a objective function so that the learning process is optimized for high fidelity (high agreement between explanation and the model), low unambiguity (little overlaps between decision rules in the explanation), and high interpretability (the explanation decision set is lightweight and small). These aspects are combined into one objection function to optimize for.</a:t>
-            </a:r>
-            <a:endParaRPr lang="zh-CN" altLang="en-US" dirty="0" smtClean="0"/>
+              <a:t>BDL enables one to gauge how uncertain a neural network is about its predictions. These deep architectures can model complex tasks by leveraging the hierarchical representation power of deep learning, while also being able to infer complex multi-modal posterior distributions. Bayesian deep learning models typically form uncertainty estimates by either placing distributions over model weights, or by learning a direct mapping to probabilistic outputs. By knowing the weight distributions of various predictions and classes, we can tell a lot about what feature led to what decisions and the relative important of it.</a:t>
+            </a:r>
           </a:p>
           <a:p>
             <a:endParaRPr lang="zh-CN" altLang="en-US" dirty="0"/>
@@ -3782,7 +4861,7 @@
     </p:spTree>
     <p:extLst>
       <p:ext uri="{BB962C8B-B14F-4D97-AF65-F5344CB8AC3E}">
-        <p14:creationId xmlns:p14="http://schemas.microsoft.com/office/powerpoint/2010/main" val="21897208"/>
+        <p14:creationId xmlns:p14="http://schemas.microsoft.com/office/powerpoint/2010/main" val="1676451032"/>
       </p:ext>
     </p:extLst>
   </p:cSld>
@@ -3793,6 +4872,207 @@
 </file>
 
 <file path=ppt/theme/theme1.xml><?xml version="1.0" encoding="utf-8"?>
+<a:theme xmlns:a="http://schemas.openxmlformats.org/drawingml/2006/main" name="Office 主题​​">
+  <a:themeElements>
+    <a:clrScheme name="Office">
+      <a:dk1>
+        <a:sysClr val="windowText" lastClr="000000"/>
+      </a:dk1>
+      <a:lt1>
+        <a:sysClr val="window" lastClr="FFFFFF"/>
+      </a:lt1>
+      <a:dk2>
+        <a:srgbClr val="44546A"/>
+      </a:dk2>
+      <a:lt2>
+        <a:srgbClr val="E7E6E6"/>
+      </a:lt2>
+      <a:accent1>
+        <a:srgbClr val="5B9BD5"/>
+      </a:accent1>
+      <a:accent2>
+        <a:srgbClr val="ED7D31"/>
+      </a:accent2>
+      <a:accent3>
+        <a:srgbClr val="A5A5A5"/>
+      </a:accent3>
+      <a:accent4>
+        <a:srgbClr val="FFC000"/>
+      </a:accent4>
+      <a:accent5>
+        <a:srgbClr val="4472C4"/>
+      </a:accent5>
+      <a:accent6>
+        <a:srgbClr val="70AD47"/>
+      </a:accent6>
+      <a:hlink>
+        <a:srgbClr val="0563C1"/>
+      </a:hlink>
+      <a:folHlink>
+        <a:srgbClr val="954F72"/>
+      </a:folHlink>
+    </a:clrScheme>
+    <a:fontScheme name="自定义 1">
+      <a:majorFont>
+        <a:latin typeface="Times New Roman"/>
+        <a:ea typeface="楷体"/>
+        <a:cs typeface=""/>
+      </a:majorFont>
+      <a:minorFont>
+        <a:latin typeface="Times New Roman"/>
+        <a:ea typeface="楷体"/>
+        <a:cs typeface=""/>
+      </a:minorFont>
+    </a:fontScheme>
+    <a:fmtScheme name="Office">
+      <a:fillStyleLst>
+        <a:solidFill>
+          <a:schemeClr val="phClr"/>
+        </a:solidFill>
+        <a:gradFill rotWithShape="1">
+          <a:gsLst>
+            <a:gs pos="0">
+              <a:schemeClr val="phClr">
+                <a:lumMod val="110000"/>
+                <a:satMod val="105000"/>
+                <a:tint val="67000"/>
+              </a:schemeClr>
+            </a:gs>
+            <a:gs pos="50000">
+              <a:schemeClr val="phClr">
+                <a:lumMod val="105000"/>
+                <a:satMod val="103000"/>
+                <a:tint val="73000"/>
+              </a:schemeClr>
+            </a:gs>
+            <a:gs pos="100000">
+              <a:schemeClr val="phClr">
+                <a:lumMod val="105000"/>
+                <a:satMod val="109000"/>
+                <a:tint val="81000"/>
+              </a:schemeClr>
+            </a:gs>
+          </a:gsLst>
+          <a:lin ang="5400000" scaled="0"/>
+        </a:gradFill>
+        <a:gradFill rotWithShape="1">
+          <a:gsLst>
+            <a:gs pos="0">
+              <a:schemeClr val="phClr">
+                <a:satMod val="103000"/>
+                <a:lumMod val="102000"/>
+                <a:tint val="94000"/>
+              </a:schemeClr>
+            </a:gs>
+            <a:gs pos="50000">
+              <a:schemeClr val="phClr">
+                <a:satMod val="110000"/>
+                <a:lumMod val="100000"/>
+                <a:shade val="100000"/>
+              </a:schemeClr>
+            </a:gs>
+            <a:gs pos="100000">
+              <a:schemeClr val="phClr">
+                <a:lumMod val="99000"/>
+                <a:satMod val="120000"/>
+                <a:shade val="78000"/>
+              </a:schemeClr>
+            </a:gs>
+          </a:gsLst>
+          <a:lin ang="5400000" scaled="0"/>
+        </a:gradFill>
+      </a:fillStyleLst>
+      <a:lnStyleLst>
+        <a:ln w="6350" cap="flat" cmpd="sng" algn="ctr">
+          <a:solidFill>
+            <a:schemeClr val="phClr"/>
+          </a:solidFill>
+          <a:prstDash val="solid"/>
+          <a:miter lim="800000"/>
+        </a:ln>
+        <a:ln w="12700" cap="flat" cmpd="sng" algn="ctr">
+          <a:solidFill>
+            <a:schemeClr val="phClr"/>
+          </a:solidFill>
+          <a:prstDash val="solid"/>
+          <a:miter lim="800000"/>
+        </a:ln>
+        <a:ln w="19050" cap="flat" cmpd="sng" algn="ctr">
+          <a:solidFill>
+            <a:schemeClr val="phClr"/>
+          </a:solidFill>
+          <a:prstDash val="solid"/>
+          <a:miter lim="800000"/>
+        </a:ln>
+      </a:lnStyleLst>
+      <a:effectStyleLst>
+        <a:effectStyle>
+          <a:effectLst/>
+        </a:effectStyle>
+        <a:effectStyle>
+          <a:effectLst/>
+        </a:effectStyle>
+        <a:effectStyle>
+          <a:effectLst>
+            <a:outerShdw blurRad="57150" dist="19050" dir="5400000" algn="ctr" rotWithShape="0">
+              <a:srgbClr val="000000">
+                <a:alpha val="63000"/>
+              </a:srgbClr>
+            </a:outerShdw>
+          </a:effectLst>
+        </a:effectStyle>
+      </a:effectStyleLst>
+      <a:bgFillStyleLst>
+        <a:solidFill>
+          <a:schemeClr val="phClr"/>
+        </a:solidFill>
+        <a:solidFill>
+          <a:schemeClr val="phClr">
+            <a:tint val="95000"/>
+            <a:satMod val="170000"/>
+          </a:schemeClr>
+        </a:solidFill>
+        <a:gradFill rotWithShape="1">
+          <a:gsLst>
+            <a:gs pos="0">
+              <a:schemeClr val="phClr">
+                <a:tint val="93000"/>
+                <a:satMod val="150000"/>
+                <a:shade val="98000"/>
+                <a:lumMod val="102000"/>
+              </a:schemeClr>
+            </a:gs>
+            <a:gs pos="50000">
+              <a:schemeClr val="phClr">
+                <a:tint val="98000"/>
+                <a:satMod val="130000"/>
+                <a:shade val="90000"/>
+                <a:lumMod val="103000"/>
+              </a:schemeClr>
+            </a:gs>
+            <a:gs pos="100000">
+              <a:schemeClr val="phClr">
+                <a:shade val="63000"/>
+                <a:satMod val="120000"/>
+              </a:schemeClr>
+            </a:gs>
+          </a:gsLst>
+          <a:lin ang="5400000" scaled="0"/>
+        </a:gradFill>
+      </a:bgFillStyleLst>
+    </a:fmtScheme>
+  </a:themeElements>
+  <a:objectDefaults/>
+  <a:extraClrSchemeLst/>
+  <a:extLst>
+    <a:ext uri="{05A4C25C-085E-4340-85A3-A5531E510DB2}">
+      <thm15:themeFamily xmlns:thm15="http://schemas.microsoft.com/office/thememl/2012/main" name="Office Theme" id="{62F939B6-93AF-4DB8-9C6B-D6C7DFDC589F}" vid="{4A3C46E8-61CC-4603-A589-7422A47A8E4A}"/>
+    </a:ext>
+  </a:extLst>
+</a:theme>
+</file>
+
+<file path=ppt/theme/theme2.xml><?xml version="1.0" encoding="utf-8"?>
 <a:theme xmlns:a="http://schemas.openxmlformats.org/drawingml/2006/main" name="Office 主题​​">
   <a:themeElements>
     <a:clrScheme name="Office">

--- a/computer_science/ai/xai/xai.pptx
+++ b/computer_science/ai/xai/xai.pptx
@@ -5,21 +5,22 @@
     <p:sldMasterId id="2147483648" r:id="rId1"/>
   </p:sldMasterIdLst>
   <p:notesMasterIdLst>
-    <p:notesMasterId r:id="rId14"/>
+    <p:notesMasterId r:id="rId15"/>
   </p:notesMasterIdLst>
   <p:sldIdLst>
     <p:sldId id="256" r:id="rId2"/>
-    <p:sldId id="258" r:id="rId3"/>
-    <p:sldId id="265" r:id="rId4"/>
+    <p:sldId id="269" r:id="rId3"/>
+    <p:sldId id="258" r:id="rId4"/>
     <p:sldId id="266" r:id="rId5"/>
     <p:sldId id="267" r:id="rId6"/>
     <p:sldId id="257" r:id="rId7"/>
-    <p:sldId id="259" r:id="rId8"/>
-    <p:sldId id="260" r:id="rId9"/>
-    <p:sldId id="264" r:id="rId10"/>
-    <p:sldId id="261" r:id="rId11"/>
-    <p:sldId id="262" r:id="rId12"/>
-    <p:sldId id="263" r:id="rId13"/>
+    <p:sldId id="268" r:id="rId8"/>
+    <p:sldId id="259" r:id="rId9"/>
+    <p:sldId id="260" r:id="rId10"/>
+    <p:sldId id="264" r:id="rId11"/>
+    <p:sldId id="261" r:id="rId12"/>
+    <p:sldId id="262" r:id="rId13"/>
+    <p:sldId id="263" r:id="rId14"/>
   </p:sldIdLst>
   <p:sldSz cx="12192000" cy="6858000"/>
   <p:notesSz cx="6858000" cy="9144000"/>
@@ -208,7 +209,7 @@
           <a:p>
             <a:fld id="{BB446247-C202-411B-B130-2BA2325D0A2F}" type="datetimeFigureOut">
               <a:rPr lang="zh-CN" altLang="en-US" smtClean="0"/>
-              <a:t>2019/4/1</a:t>
+              <a:t>2019/4/3</a:t>
             </a:fld>
             <a:endParaRPr lang="zh-CN" altLang="en-US"/>
           </a:p>
@@ -520,6 +521,36 @@
           <a:bodyPr/>
           <a:lstStyle/>
           <a:p>
+            <a:pPr marL="0" marR="0" indent="0" algn="l" defTabSz="914400" rtl="0" eaLnBrk="1" fontAlgn="auto" latinLnBrk="0" hangingPunct="1">
+              <a:lnSpc>
+                <a:spcPct val="100000"/>
+              </a:lnSpc>
+              <a:spcBef>
+                <a:spcPts val="0"/>
+              </a:spcBef>
+              <a:spcAft>
+                <a:spcPts val="0"/>
+              </a:spcAft>
+              <a:buClrTx/>
+              <a:buSzTx/>
+              <a:buFontTx/>
+              <a:buNone/>
+              <a:tabLst/>
+              <a:defRPr/>
+            </a:pPr>
+            <a:r>
+              <a:rPr lang="en-US" altLang="zh-CN" dirty="0" smtClean="0">
+                <a:latin typeface="Times New Roman" panose="02020603050405020304" pitchFamily="18" charset="0"/>
+                <a:cs typeface="Times New Roman" panose="02020603050405020304" pitchFamily="18" charset="0"/>
+              </a:rPr>
+              <a:t>But you model something doesn’t mean you really know how it works.</a:t>
+            </a:r>
+            <a:endParaRPr lang="zh-CN" altLang="en-US" dirty="0" smtClean="0">
+              <a:latin typeface="Times New Roman" panose="02020603050405020304" pitchFamily="18" charset="0"/>
+              <a:cs typeface="Times New Roman" panose="02020603050405020304" pitchFamily="18" charset="0"/>
+            </a:endParaRPr>
+          </a:p>
+          <a:p>
             <a:endParaRPr lang="zh-CN" altLang="en-US" dirty="0"/>
           </a:p>
         </p:txBody>
@@ -550,7 +581,7 @@
     </p:spTree>
     <p:extLst>
       <p:ext uri="{BB962C8B-B14F-4D97-AF65-F5344CB8AC3E}">
-        <p14:creationId xmlns:p14="http://schemas.microsoft.com/office/powerpoint/2010/main" val="672930632"/>
+        <p14:creationId xmlns:p14="http://schemas.microsoft.com/office/powerpoint/2010/main" val="2622661657"/>
       </p:ext>
     </p:extLst>
   </p:cSld>
@@ -604,6 +635,90 @@
           <a:bodyPr/>
           <a:lstStyle/>
           <a:p>
+            <a:endParaRPr lang="zh-CN" altLang="en-US" dirty="0"/>
+          </a:p>
+        </p:txBody>
+      </p:sp>
+      <p:sp>
+        <p:nvSpPr>
+          <p:cNvPr id="4" name="灯片编号占位符 3"/>
+          <p:cNvSpPr>
+            <a:spLocks noGrp="1"/>
+          </p:cNvSpPr>
+          <p:nvPr>
+            <p:ph type="sldNum" sz="quarter" idx="10"/>
+          </p:nvPr>
+        </p:nvSpPr>
+        <p:spPr/>
+        <p:txBody>
+          <a:bodyPr/>
+          <a:lstStyle/>
+          <a:p>
+            <a:fld id="{88F32C15-CB80-4936-BF59-C0B6C001E6AF}" type="slidenum">
+              <a:rPr lang="zh-CN" altLang="en-US" smtClean="0"/>
+              <a:t>3</a:t>
+            </a:fld>
+            <a:endParaRPr lang="zh-CN" altLang="en-US"/>
+          </a:p>
+        </p:txBody>
+      </p:sp>
+    </p:spTree>
+    <p:extLst>
+      <p:ext uri="{BB962C8B-B14F-4D97-AF65-F5344CB8AC3E}">
+        <p14:creationId xmlns:p14="http://schemas.microsoft.com/office/powerpoint/2010/main" val="672930632"/>
+      </p:ext>
+    </p:extLst>
+  </p:cSld>
+  <p:clrMapOvr>
+    <a:masterClrMapping/>
+  </p:clrMapOvr>
+</p:notes>
+</file>
+
+<file path=ppt/notesSlides/notesSlide3.xml><?xml version="1.0" encoding="utf-8"?>
+<p:notes xmlns:a="http://schemas.openxmlformats.org/drawingml/2006/main" xmlns:r="http://schemas.openxmlformats.org/officeDocument/2006/relationships" xmlns:p="http://schemas.openxmlformats.org/presentationml/2006/main">
+  <p:cSld>
+    <p:spTree>
+      <p:nvGrpSpPr>
+        <p:cNvPr id="1" name=""/>
+        <p:cNvGrpSpPr/>
+        <p:nvPr/>
+      </p:nvGrpSpPr>
+      <p:grpSpPr>
+        <a:xfrm>
+          <a:off x="0" y="0"/>
+          <a:ext cx="0" cy="0"/>
+          <a:chOff x="0" y="0"/>
+          <a:chExt cx="0" cy="0"/>
+        </a:xfrm>
+      </p:grpSpPr>
+      <p:sp>
+        <p:nvSpPr>
+          <p:cNvPr id="2" name="幻灯片图像占位符 1"/>
+          <p:cNvSpPr>
+            <a:spLocks noGrp="1" noRot="1" noChangeAspect="1"/>
+          </p:cNvSpPr>
+          <p:nvPr>
+            <p:ph type="sldImg"/>
+          </p:nvPr>
+        </p:nvSpPr>
+        <p:spPr/>
+      </p:sp>
+      <p:sp>
+        <p:nvSpPr>
+          <p:cNvPr id="3" name="备注占位符 2"/>
+          <p:cNvSpPr>
+            <a:spLocks noGrp="1"/>
+          </p:cNvSpPr>
+          <p:nvPr>
+            <p:ph type="body" idx="1"/>
+          </p:nvPr>
+        </p:nvSpPr>
+        <p:spPr/>
+        <p:txBody>
+          <a:bodyPr/>
+          <a:lstStyle/>
+          <a:p>
             <a:r>
               <a:rPr lang="en-US" altLang="zh-CN" dirty="0" smtClean="0"/>
               <a:t>Human Readability: When you’re making decisions for a company, your director or CEO isn’t interested in the data itself. Instead, they may be looking for reasons behind the interpretation and specifically what to do about it. Explainable AI gives the reasoning behind certain decisions, and that can both increase transparency and help offer better business understanding.</a:t>
@@ -624,7 +739,15 @@
           <a:p>
             <a:r>
               <a:rPr lang="en-US" altLang="zh-CN" dirty="0" smtClean="0"/>
-              <a:t>Discrimination: </a:t>
+              <a:t>Discrimination(</a:t>
+            </a:r>
+            <a:r>
+              <a:rPr lang="zh-CN" altLang="en-US" dirty="0" smtClean="0"/>
+              <a:t>歧视</a:t>
+            </a:r>
+            <a:r>
+              <a:rPr lang="en-US" altLang="zh-CN" dirty="0" smtClean="0"/>
+              <a:t>): </a:t>
             </a:r>
             <a:r>
               <a:rPr lang="en-US" altLang="zh-CN" sz="1200" b="0" i="0" kern="1200" dirty="0" smtClean="0">
@@ -653,7 +776,19 @@
           <a:p>
             <a:r>
               <a:rPr lang="en-US" altLang="zh-CN" dirty="0" smtClean="0"/>
-              <a:t>Facilitating improvement: </a:t>
+              <a:t>Facilitating </a:t>
+            </a:r>
+            <a:r>
+              <a:rPr lang="en-US" altLang="zh-CN" dirty="0" smtClean="0"/>
+              <a:t>improvement (</a:t>
+            </a:r>
+            <a:r>
+              <a:rPr lang="zh-CN" altLang="en-US" dirty="0" smtClean="0"/>
+              <a:t>促进改进</a:t>
+            </a:r>
+            <a:r>
+              <a:rPr lang="en-US" altLang="zh-CN" dirty="0" smtClean="0"/>
+              <a:t>): </a:t>
             </a:r>
             <a:r>
               <a:rPr lang="en-US" altLang="zh-CN" u="none" dirty="0" smtClean="0">
@@ -678,7 +813,31 @@
                   <a:schemeClr val="tx1"/>
                 </a:solidFill>
               </a:rPr>
-              <a:t>Eliminating Overfitting: </a:t>
+              <a:t>Eliminating </a:t>
+            </a:r>
+            <a:r>
+              <a:rPr lang="en-US" altLang="zh-CN" u="none" dirty="0" smtClean="0">
+                <a:solidFill>
+                  <a:schemeClr val="tx1"/>
+                </a:solidFill>
+              </a:rPr>
+              <a:t>Overfitting (</a:t>
+            </a:r>
+            <a:r>
+              <a:rPr lang="zh-CN" altLang="en-US" u="none" dirty="0" smtClean="0">
+                <a:solidFill>
+                  <a:schemeClr val="tx1"/>
+                </a:solidFill>
+              </a:rPr>
+              <a:t>消除过拟合</a:t>
+            </a:r>
+            <a:r>
+              <a:rPr lang="en-US" altLang="zh-CN" u="none" dirty="0" smtClean="0">
+                <a:solidFill>
+                  <a:schemeClr val="tx1"/>
+                </a:solidFill>
+              </a:rPr>
+              <a:t>): </a:t>
             </a:r>
             <a:r>
               <a:rPr lang="en-US" altLang="zh-CN" sz="1200" b="0" i="0" kern="1200" dirty="0" smtClean="0">
@@ -867,7 +1026,7 @@
           <a:p>
             <a:fld id="{85CDC5AA-F08D-4DF5-8773-B91CE5BA1C39}" type="datetimeFigureOut">
               <a:rPr lang="zh-CN" altLang="en-US" smtClean="0"/>
-              <a:t>2019/4/1</a:t>
+              <a:t>2019/4/3</a:t>
             </a:fld>
             <a:endParaRPr lang="zh-CN" altLang="en-US"/>
           </a:p>
@@ -1037,7 +1196,7 @@
           <a:p>
             <a:fld id="{85CDC5AA-F08D-4DF5-8773-B91CE5BA1C39}" type="datetimeFigureOut">
               <a:rPr lang="zh-CN" altLang="en-US" smtClean="0"/>
-              <a:t>2019/4/1</a:t>
+              <a:t>2019/4/3</a:t>
             </a:fld>
             <a:endParaRPr lang="zh-CN" altLang="en-US"/>
           </a:p>
@@ -1217,7 +1376,7 @@
           <a:p>
             <a:fld id="{85CDC5AA-F08D-4DF5-8773-B91CE5BA1C39}" type="datetimeFigureOut">
               <a:rPr lang="zh-CN" altLang="en-US" smtClean="0"/>
-              <a:t>2019/4/1</a:t>
+              <a:t>2019/4/3</a:t>
             </a:fld>
             <a:endParaRPr lang="zh-CN" altLang="en-US"/>
           </a:p>
@@ -1393,7 +1552,7 @@
           <a:p>
             <a:fld id="{85CDC5AA-F08D-4DF5-8773-B91CE5BA1C39}" type="datetimeFigureOut">
               <a:rPr lang="zh-CN" altLang="en-US" smtClean="0"/>
-              <a:t>2019/4/1</a:t>
+              <a:t>2019/4/3</a:t>
             </a:fld>
             <a:endParaRPr lang="zh-CN" altLang="en-US"/>
           </a:p>
@@ -1639,7 +1798,7 @@
           <a:p>
             <a:fld id="{85CDC5AA-F08D-4DF5-8773-B91CE5BA1C39}" type="datetimeFigureOut">
               <a:rPr lang="zh-CN" altLang="en-US" smtClean="0"/>
-              <a:t>2019/4/1</a:t>
+              <a:t>2019/4/3</a:t>
             </a:fld>
             <a:endParaRPr lang="zh-CN" altLang="en-US"/>
           </a:p>
@@ -1871,7 +2030,7 @@
           <a:p>
             <a:fld id="{85CDC5AA-F08D-4DF5-8773-B91CE5BA1C39}" type="datetimeFigureOut">
               <a:rPr lang="zh-CN" altLang="en-US" smtClean="0"/>
-              <a:t>2019/4/1</a:t>
+              <a:t>2019/4/3</a:t>
             </a:fld>
             <a:endParaRPr lang="zh-CN" altLang="en-US"/>
           </a:p>
@@ -2238,7 +2397,7 @@
           <a:p>
             <a:fld id="{85CDC5AA-F08D-4DF5-8773-B91CE5BA1C39}" type="datetimeFigureOut">
               <a:rPr lang="zh-CN" altLang="en-US" smtClean="0"/>
-              <a:t>2019/4/1</a:t>
+              <a:t>2019/4/3</a:t>
             </a:fld>
             <a:endParaRPr lang="zh-CN" altLang="en-US"/>
           </a:p>
@@ -2356,7 +2515,7 @@
           <a:p>
             <a:fld id="{85CDC5AA-F08D-4DF5-8773-B91CE5BA1C39}" type="datetimeFigureOut">
               <a:rPr lang="zh-CN" altLang="en-US" smtClean="0"/>
-              <a:t>2019/4/1</a:t>
+              <a:t>2019/4/3</a:t>
             </a:fld>
             <a:endParaRPr lang="zh-CN" altLang="en-US"/>
           </a:p>
@@ -2451,7 +2610,7 @@
           <a:p>
             <a:fld id="{85CDC5AA-F08D-4DF5-8773-B91CE5BA1C39}" type="datetimeFigureOut">
               <a:rPr lang="zh-CN" altLang="en-US" smtClean="0"/>
-              <a:t>2019/4/1</a:t>
+              <a:t>2019/4/3</a:t>
             </a:fld>
             <a:endParaRPr lang="zh-CN" altLang="en-US"/>
           </a:p>
@@ -2728,7 +2887,7 @@
           <a:p>
             <a:fld id="{85CDC5AA-F08D-4DF5-8773-B91CE5BA1C39}" type="datetimeFigureOut">
               <a:rPr lang="zh-CN" altLang="en-US" smtClean="0"/>
-              <a:t>2019/4/1</a:t>
+              <a:t>2019/4/3</a:t>
             </a:fld>
             <a:endParaRPr lang="zh-CN" altLang="en-US"/>
           </a:p>
@@ -2981,7 +3140,7 @@
           <a:p>
             <a:fld id="{85CDC5AA-F08D-4DF5-8773-B91CE5BA1C39}" type="datetimeFigureOut">
               <a:rPr lang="zh-CN" altLang="en-US" smtClean="0"/>
-              <a:t>2019/4/1</a:t>
+              <a:t>2019/4/3</a:t>
             </a:fld>
             <a:endParaRPr lang="zh-CN" altLang="en-US"/>
           </a:p>
@@ -3194,7 +3353,7 @@
           <a:p>
             <a:fld id="{85CDC5AA-F08D-4DF5-8773-B91CE5BA1C39}" type="datetimeFigureOut">
               <a:rPr lang="zh-CN" altLang="en-US" smtClean="0"/>
-              <a:t>2019/4/1</a:t>
+              <a:t>2019/4/3</a:t>
             </a:fld>
             <a:endParaRPr lang="zh-CN" altLang="en-US"/>
           </a:p>
@@ -3727,51 +3886,43 @@
         </p:nvSpPr>
         <p:spPr/>
         <p:txBody>
-          <a:bodyPr>
-            <a:normAutofit fontScale="90000"/>
-          </a:bodyPr>
+          <a:bodyPr/>
           <a:lstStyle/>
           <a:p>
             <a:r>
               <a:rPr lang="en-US" altLang="zh-CN" dirty="0" smtClean="0"/>
-              <a:t>Post-Hoc Methods</a:t>
-            </a:r>
-            <a:br>
+              <a:t>Ante-Hoc Methods</a:t>
+            </a:r>
+            <a:endParaRPr lang="zh-CN" altLang="en-US" dirty="0"/>
+          </a:p>
+        </p:txBody>
+      </p:sp>
+      <p:sp>
+        <p:nvSpPr>
+          <p:cNvPr id="3" name="内容占位符 2"/>
+          <p:cNvSpPr>
+            <a:spLocks noGrp="1"/>
+          </p:cNvSpPr>
+          <p:nvPr>
+            <p:ph idx="1"/>
+          </p:nvPr>
+        </p:nvSpPr>
+        <p:spPr/>
+        <p:txBody>
+          <a:bodyPr/>
+          <a:lstStyle/>
+          <a:p>
+            <a:r>
               <a:rPr lang="en-US" altLang="zh-CN" dirty="0" smtClean="0"/>
-            </a:br>
-            <a:endParaRPr lang="zh-CN" altLang="en-US" dirty="0"/>
-          </a:p>
-        </p:txBody>
-      </p:sp>
-      <p:sp>
-        <p:nvSpPr>
-          <p:cNvPr id="3" name="内容占位符 2"/>
-          <p:cNvSpPr>
-            <a:spLocks noGrp="1"/>
-          </p:cNvSpPr>
-          <p:nvPr>
-            <p:ph idx="1"/>
-          </p:nvPr>
-        </p:nvSpPr>
-        <p:spPr/>
-        <p:txBody>
-          <a:bodyPr>
-            <a:normAutofit fontScale="92500" lnSpcReduction="10000"/>
-          </a:bodyPr>
-          <a:lstStyle/>
-          <a:p>
+              <a:t>Bayesian Deep Learning (BDL)</a:t>
+            </a:r>
+          </a:p>
+          <a:p>
+            <a:pPr lvl="1"/>
             <a:r>
               <a:rPr lang="en-US" altLang="zh-CN" dirty="0" smtClean="0"/>
-              <a:t>Local Interpretable Model-Agnostic Explanations (LIME)</a:t>
-            </a:r>
-          </a:p>
-          <a:p>
-            <a:pPr lvl="1"/>
-            <a:r>
-              <a:rPr lang="en-US" altLang="zh-CN" dirty="0"/>
-              <a:t>This isn’t a purely transparent model as it provides the explanation after a decision has been made. Hence it can have wide range of applications as it isn’t customized to one domain unlike RETAIN. For example for an image classification problem using a CNN, we get the probability distribution over classes. Then we make small changes to input to see how it affects the distribution and collect the results. Then using a linear interpretable model, on the collected perturbation set, we can explain changed in the key features extracted with their weights telling us how prominent they are. It blacks out different parts of the original image and feeds the resulting “perturbed” images back through the model, checking to see which perturbations throw the algorithm off the furthest to derive reasoning behind the algorithms decisions. For example, for an image of a tree frog, LIME found that erasing parts of the frog’s face made it much harder for the model to identify the image, showing that much of the original classification decision was based on the frog’s face. LIME is generally applicable to image classifications tasks.</a:t>
-            </a:r>
-            <a:endParaRPr lang="en-US" altLang="zh-CN" dirty="0" smtClean="0"/>
+              <a:t>BDL enables one to gauge how uncertain a neural network is about its predictions. These deep architectures can model complex tasks by leveraging the hierarchical representation power of deep learning, while also being able to infer complex multi-modal posterior distributions. Bayesian deep learning models typically form uncertainty estimates by either placing distributions over model weights, or by learning a direct mapping to probabilistic outputs. By knowing the weight distributions of various predictions and classes, we can tell a lot about what feature led to what decisions and the relative important of it.</a:t>
+            </a:r>
           </a:p>
           <a:p>
             <a:endParaRPr lang="zh-CN" altLang="en-US" dirty="0"/>
@@ -3781,7 +3932,7 @@
     </p:spTree>
     <p:extLst>
       <p:ext uri="{BB962C8B-B14F-4D97-AF65-F5344CB8AC3E}">
-        <p14:creationId xmlns:p14="http://schemas.microsoft.com/office/powerpoint/2010/main" val="1381922251"/>
+        <p14:creationId xmlns:p14="http://schemas.microsoft.com/office/powerpoint/2010/main" val="1676451032"/>
       </p:ext>
     </p:extLst>
   </p:cSld>
@@ -3820,6 +3971,99 @@
         </p:nvSpPr>
         <p:spPr/>
         <p:txBody>
+          <a:bodyPr>
+            <a:normAutofit fontScale="90000"/>
+          </a:bodyPr>
+          <a:lstStyle/>
+          <a:p>
+            <a:r>
+              <a:rPr lang="en-US" altLang="zh-CN" dirty="0" smtClean="0"/>
+              <a:t>Post-Hoc Methods</a:t>
+            </a:r>
+            <a:br>
+              <a:rPr lang="en-US" altLang="zh-CN" dirty="0" smtClean="0"/>
+            </a:br>
+            <a:endParaRPr lang="zh-CN" altLang="en-US" dirty="0"/>
+          </a:p>
+        </p:txBody>
+      </p:sp>
+      <p:sp>
+        <p:nvSpPr>
+          <p:cNvPr id="3" name="内容占位符 2"/>
+          <p:cNvSpPr>
+            <a:spLocks noGrp="1"/>
+          </p:cNvSpPr>
+          <p:nvPr>
+            <p:ph idx="1"/>
+          </p:nvPr>
+        </p:nvSpPr>
+        <p:spPr/>
+        <p:txBody>
+          <a:bodyPr>
+            <a:normAutofit fontScale="92500" lnSpcReduction="10000"/>
+          </a:bodyPr>
+          <a:lstStyle/>
+          <a:p>
+            <a:r>
+              <a:rPr lang="en-US" altLang="zh-CN" dirty="0" smtClean="0"/>
+              <a:t>Local Interpretable Model-Agnostic Explanations (LIME)</a:t>
+            </a:r>
+          </a:p>
+          <a:p>
+            <a:pPr lvl="1"/>
+            <a:r>
+              <a:rPr lang="en-US" altLang="zh-CN" dirty="0"/>
+              <a:t>This isn’t a purely transparent model as it provides the explanation after a decision has been made. Hence it can have wide range of applications as it isn’t customized to one domain unlike RETAIN. For example for an image classification problem using a CNN, we get the probability distribution over classes. Then we make small changes to input to see how it affects the distribution and collect the results. Then using a linear interpretable model, on the collected perturbation set, we can explain changed in the key features extracted with their weights telling us how prominent they are. It blacks out different parts of the original image and feeds the resulting “perturbed” images back through the model, checking to see which perturbations throw the algorithm off the furthest to derive reasoning behind the algorithms decisions. For example, for an image of a tree frog, LIME found that erasing parts of the frog’s face made it much harder for the model to identify the image, showing that much of the original classification decision was based on the frog’s face. LIME is generally applicable to image classifications tasks.</a:t>
+            </a:r>
+            <a:endParaRPr lang="en-US" altLang="zh-CN" dirty="0" smtClean="0"/>
+          </a:p>
+          <a:p>
+            <a:endParaRPr lang="zh-CN" altLang="en-US" dirty="0"/>
+          </a:p>
+        </p:txBody>
+      </p:sp>
+    </p:spTree>
+    <p:extLst>
+      <p:ext uri="{BB962C8B-B14F-4D97-AF65-F5344CB8AC3E}">
+        <p14:creationId xmlns:p14="http://schemas.microsoft.com/office/powerpoint/2010/main" val="1381922251"/>
+      </p:ext>
+    </p:extLst>
+  </p:cSld>
+  <p:clrMapOvr>
+    <a:masterClrMapping/>
+  </p:clrMapOvr>
+</p:sld>
+</file>
+
+<file path=ppt/slides/slide12.xml><?xml version="1.0" encoding="utf-8"?>
+<p:sld xmlns:a="http://schemas.openxmlformats.org/drawingml/2006/main" xmlns:r="http://schemas.openxmlformats.org/officeDocument/2006/relationships" xmlns:p="http://schemas.openxmlformats.org/presentationml/2006/main">
+  <p:cSld>
+    <p:spTree>
+      <p:nvGrpSpPr>
+        <p:cNvPr id="1" name=""/>
+        <p:cNvGrpSpPr/>
+        <p:nvPr/>
+      </p:nvGrpSpPr>
+      <p:grpSpPr>
+        <a:xfrm>
+          <a:off x="0" y="0"/>
+          <a:ext cx="0" cy="0"/>
+          <a:chOff x="0" y="0"/>
+          <a:chExt cx="0" cy="0"/>
+        </a:xfrm>
+      </p:grpSpPr>
+      <p:sp>
+        <p:nvSpPr>
+          <p:cNvPr id="2" name="标题 1"/>
+          <p:cNvSpPr>
+            <a:spLocks noGrp="1"/>
+          </p:cNvSpPr>
+          <p:nvPr>
+            <p:ph type="title"/>
+          </p:nvPr>
+        </p:nvSpPr>
+        <p:spPr/>
+        <p:txBody>
           <a:bodyPr/>
           <a:lstStyle/>
           <a:p>
@@ -3876,7 +4120,7 @@
 </p:sld>
 </file>
 
-<file path=ppt/slides/slide12.xml><?xml version="1.0" encoding="utf-8"?>
+<file path=ppt/slides/slide13.xml><?xml version="1.0" encoding="utf-8"?>
 <p:sld xmlns:a="http://schemas.openxmlformats.org/drawingml/2006/main" xmlns:r="http://schemas.openxmlformats.org/officeDocument/2006/relationships" xmlns:p="http://schemas.openxmlformats.org/presentationml/2006/main">
   <p:cSld>
     <p:spTree>
@@ -3979,80 +4223,32 @@
           <a:chExt cx="0" cy="0"/>
         </a:xfrm>
       </p:grpSpPr>
-      <p:sp>
-        <p:nvSpPr>
-          <p:cNvPr id="2" name="标题 1"/>
-          <p:cNvSpPr>
-            <a:spLocks noGrp="1"/>
-          </p:cNvSpPr>
-          <p:nvPr>
-            <p:ph type="title"/>
-          </p:nvPr>
-        </p:nvSpPr>
-        <p:spPr/>
-        <p:txBody>
-          <a:bodyPr>
-            <a:normAutofit/>
-          </a:bodyPr>
-          <a:lstStyle/>
-          <a:p>
-            <a:r>
-              <a:rPr lang="en-US" altLang="zh-CN" sz="4800" b="1" dirty="0">
-                <a:latin typeface="Times New Roman" panose="02020603050405020304" pitchFamily="18" charset="0"/>
-                <a:cs typeface="Times New Roman" panose="02020603050405020304" pitchFamily="18" charset="0"/>
-              </a:rPr>
-              <a:t>Explainable Artificial </a:t>
-            </a:r>
-            <a:r>
-              <a:rPr lang="en-US" altLang="zh-CN" sz="4800" b="1" dirty="0" smtClean="0">
-                <a:latin typeface="Times New Roman" panose="02020603050405020304" pitchFamily="18" charset="0"/>
-                <a:cs typeface="Times New Roman" panose="02020603050405020304" pitchFamily="18" charset="0"/>
-              </a:rPr>
-              <a:t>Intelligence (XAI)</a:t>
-            </a:r>
-            <a:endParaRPr lang="zh-CN" altLang="en-US" sz="4800" b="1" dirty="0">
-              <a:latin typeface="Times New Roman" panose="02020603050405020304" pitchFamily="18" charset="0"/>
-              <a:cs typeface="Times New Roman" panose="02020603050405020304" pitchFamily="18" charset="0"/>
-            </a:endParaRPr>
-          </a:p>
-        </p:txBody>
-      </p:sp>
-      <p:sp>
-        <p:nvSpPr>
-          <p:cNvPr id="3" name="内容占位符 2"/>
-          <p:cNvSpPr>
-            <a:spLocks noGrp="1"/>
-          </p:cNvSpPr>
+      <p:pic>
+        <p:nvPicPr>
+          <p:cNvPr id="4" name="内容占位符 3"/>
+          <p:cNvPicPr>
+            <a:picLocks noGrp="1" noChangeAspect="1"/>
+          </p:cNvPicPr>
           <p:nvPr>
             <p:ph idx="1"/>
           </p:nvPr>
-        </p:nvSpPr>
-        <p:spPr/>
-        <p:txBody>
-          <a:bodyPr/>
-          <a:lstStyle/>
-          <a:p>
-            <a:r>
-              <a:rPr lang="en-US" altLang="zh-CN" dirty="0">
-                <a:latin typeface="Times New Roman" panose="02020603050405020304" pitchFamily="18" charset="0"/>
-                <a:cs typeface="Times New Roman" panose="02020603050405020304" pitchFamily="18" charset="0"/>
-              </a:rPr>
-              <a:t>From Prediction To </a:t>
-            </a:r>
-            <a:r>
-              <a:rPr lang="en-US" altLang="zh-CN" dirty="0" smtClean="0">
-                <a:latin typeface="Times New Roman" panose="02020603050405020304" pitchFamily="18" charset="0"/>
-                <a:cs typeface="Times New Roman" panose="02020603050405020304" pitchFamily="18" charset="0"/>
-              </a:rPr>
-              <a:t>Understanding</a:t>
-            </a:r>
-            <a:endParaRPr lang="en-US" altLang="zh-CN" dirty="0">
-              <a:latin typeface="Times New Roman" panose="02020603050405020304" pitchFamily="18" charset="0"/>
-              <a:cs typeface="Times New Roman" panose="02020603050405020304" pitchFamily="18" charset="0"/>
-            </a:endParaRPr>
-          </a:p>
-        </p:txBody>
-      </p:sp>
+        </p:nvPicPr>
+        <p:blipFill>
+          <a:blip r:embed="rId3"/>
+          <a:stretch>
+            <a:fillRect/>
+          </a:stretch>
+        </p:blipFill>
+        <p:spPr>
+          <a:xfrm>
+            <a:off x="838200" y="485684"/>
+            <a:ext cx="8794173" cy="2658535"/>
+          </a:xfrm>
+          <a:prstGeom prst="rect">
+            <a:avLst/>
+          </a:prstGeom>
+        </p:spPr>
+      </p:pic>
       <p:pic>
         <p:nvPicPr>
           <p:cNvPr id="5" name="图片 4"/>
@@ -4062,15 +4258,15 @@
           <p:nvPr/>
         </p:nvPicPr>
         <p:blipFill>
-          <a:blip r:embed="rId3"/>
+          <a:blip r:embed="rId4"/>
           <a:stretch>
             <a:fillRect/>
           </a:stretch>
         </p:blipFill>
         <p:spPr>
           <a:xfrm>
-            <a:off x="838200" y="2681354"/>
-            <a:ext cx="9972944" cy="3495609"/>
+            <a:off x="838201" y="3229408"/>
+            <a:ext cx="8794172" cy="2682844"/>
           </a:xfrm>
           <a:prstGeom prst="rect">
             <a:avLst/>
@@ -4080,7 +4276,7 @@
     </p:spTree>
     <p:extLst>
       <p:ext uri="{BB962C8B-B14F-4D97-AF65-F5344CB8AC3E}">
-        <p14:creationId xmlns:p14="http://schemas.microsoft.com/office/powerpoint/2010/main" val="1423855246"/>
+        <p14:creationId xmlns:p14="http://schemas.microsoft.com/office/powerpoint/2010/main" val="1634736452"/>
       </p:ext>
     </p:extLst>
   </p:cSld>
@@ -4126,24 +4322,26 @@
         </p:nvSpPr>
         <p:spPr/>
         <p:txBody>
-          <a:bodyPr/>
-          <a:lstStyle/>
-          <a:p>
-            <a:r>
-              <a:rPr lang="en-US" altLang="zh-CN" b="1" dirty="0" smtClean="0">
+          <a:bodyPr>
+            <a:normAutofit/>
+          </a:bodyPr>
+          <a:lstStyle/>
+          <a:p>
+            <a:r>
+              <a:rPr lang="en-US" altLang="zh-CN" sz="4800" b="1" dirty="0">
                 <a:latin typeface="Times New Roman" panose="02020603050405020304" pitchFamily="18" charset="0"/>
                 <a:cs typeface="Times New Roman" panose="02020603050405020304" pitchFamily="18" charset="0"/>
               </a:rPr>
-              <a:t>Why</a:t>
-            </a:r>
-            <a:r>
-              <a:rPr lang="zh-CN" altLang="en-US" b="1" dirty="0" smtClean="0">
+              <a:t>Explainable Artificial </a:t>
+            </a:r>
+            <a:r>
+              <a:rPr lang="en-US" altLang="zh-CN" sz="4800" b="1" dirty="0" smtClean="0">
                 <a:latin typeface="Times New Roman" panose="02020603050405020304" pitchFamily="18" charset="0"/>
                 <a:cs typeface="Times New Roman" panose="02020603050405020304" pitchFamily="18" charset="0"/>
               </a:rPr>
-              <a:t>？</a:t>
-            </a:r>
-            <a:endParaRPr lang="zh-CN" altLang="en-US" b="1" dirty="0">
+              <a:t>Intelligence (XAI)</a:t>
+            </a:r>
+            <a:endParaRPr lang="zh-CN" altLang="en-US" sz="4800" b="1" dirty="0">
               <a:latin typeface="Times New Roman" panose="02020603050405020304" pitchFamily="18" charset="0"/>
               <a:cs typeface="Times New Roman" panose="02020603050405020304" pitchFamily="18" charset="0"/>
             </a:endParaRPr>
@@ -4170,19 +4368,58 @@
                 <a:latin typeface="Times New Roman" panose="02020603050405020304" pitchFamily="18" charset="0"/>
                 <a:cs typeface="Times New Roman" panose="02020603050405020304" pitchFamily="18" charset="0"/>
               </a:rPr>
-              <a:t>Just because you model something doesn’t mean you really know how it works.</a:t>
-            </a:r>
-            <a:endParaRPr lang="zh-CN" altLang="en-US" dirty="0">
+              <a:t>From Prediction To </a:t>
+            </a:r>
+            <a:r>
+              <a:rPr lang="en-US" altLang="zh-CN" dirty="0" smtClean="0">
+                <a:latin typeface="Times New Roman" panose="02020603050405020304" pitchFamily="18" charset="0"/>
+                <a:cs typeface="Times New Roman" panose="02020603050405020304" pitchFamily="18" charset="0"/>
+              </a:rPr>
+              <a:t>Understanding </a:t>
+            </a:r>
+            <a:r>
+              <a:rPr lang="en-US" altLang="zh-CN" dirty="0" smtClean="0">
+                <a:latin typeface="Times New Roman" panose="02020603050405020304" pitchFamily="18" charset="0"/>
+                <a:cs typeface="Times New Roman" panose="02020603050405020304" pitchFamily="18" charset="0"/>
+                <a:hlinkClick r:id="rId3"/>
+              </a:rPr>
+              <a:t>link</a:t>
+            </a:r>
+            <a:endParaRPr lang="en-US" altLang="zh-CN" dirty="0">
               <a:latin typeface="Times New Roman" panose="02020603050405020304" pitchFamily="18" charset="0"/>
               <a:cs typeface="Times New Roman" panose="02020603050405020304" pitchFamily="18" charset="0"/>
             </a:endParaRPr>
           </a:p>
         </p:txBody>
       </p:sp>
+      <p:pic>
+        <p:nvPicPr>
+          <p:cNvPr id="5" name="图片 4"/>
+          <p:cNvPicPr>
+            <a:picLocks noChangeAspect="1"/>
+          </p:cNvPicPr>
+          <p:nvPr/>
+        </p:nvPicPr>
+        <p:blipFill>
+          <a:blip r:embed="rId4"/>
+          <a:stretch>
+            <a:fillRect/>
+          </a:stretch>
+        </p:blipFill>
+        <p:spPr>
+          <a:xfrm>
+            <a:off x="838200" y="2717213"/>
+            <a:ext cx="10515600" cy="3685815"/>
+          </a:xfrm>
+          <a:prstGeom prst="rect">
+            <a:avLst/>
+          </a:prstGeom>
+        </p:spPr>
+      </p:pic>
     </p:spTree>
     <p:extLst>
       <p:ext uri="{BB962C8B-B14F-4D97-AF65-F5344CB8AC3E}">
-        <p14:creationId xmlns:p14="http://schemas.microsoft.com/office/powerpoint/2010/main" val="2605407026"/>
+        <p14:creationId xmlns:p14="http://schemas.microsoft.com/office/powerpoint/2010/main" val="1423855246"/>
       </p:ext>
     </p:extLst>
   </p:cSld>
@@ -4616,78 +4853,55 @@
         </p:nvSpPr>
         <p:spPr/>
         <p:txBody>
-          <a:bodyPr/>
-          <a:lstStyle/>
-          <a:p>
-            <a:r>
-              <a:rPr lang="en-US" altLang="zh-CN" dirty="0" smtClean="0"/>
-              <a:t>Methods</a:t>
+          <a:bodyPr>
+            <a:normAutofit fontScale="90000"/>
+          </a:bodyPr>
+          <a:lstStyle/>
+          <a:p>
+            <a:r>
+              <a:rPr lang="en-US" altLang="zh-CN" dirty="0"/>
+              <a:t>PERFORMANCE VS. EXPLAINABILITY</a:t>
             </a:r>
             <a:endParaRPr lang="zh-CN" altLang="en-US" dirty="0"/>
           </a:p>
         </p:txBody>
       </p:sp>
-      <p:sp>
-        <p:nvSpPr>
-          <p:cNvPr id="3" name="内容占位符 2"/>
-          <p:cNvSpPr>
-            <a:spLocks noGrp="1"/>
-          </p:cNvSpPr>
+      <p:pic>
+        <p:nvPicPr>
+          <p:cNvPr id="5" name="内容占位符 4"/>
+          <p:cNvPicPr>
+            <a:picLocks noGrp="1" noChangeAspect="1"/>
+          </p:cNvPicPr>
           <p:nvPr>
             <p:ph idx="1"/>
           </p:nvPr>
-        </p:nvSpPr>
-        <p:spPr/>
-        <p:txBody>
-          <a:bodyPr/>
-          <a:lstStyle/>
-          <a:p>
-            <a:r>
-              <a:rPr lang="en-US" altLang="zh-CN" dirty="0" smtClean="0"/>
-              <a:t>Ante-Hoc Methods</a:t>
-            </a:r>
-          </a:p>
-          <a:p>
-            <a:pPr lvl="1"/>
-            <a:r>
-              <a:rPr lang="en-US" altLang="zh-CN" dirty="0"/>
-              <a:t>Ante-hoc techniques entail baking explainability into a model from the beginning.</a:t>
-            </a:r>
-            <a:endParaRPr lang="en-US" altLang="zh-CN" dirty="0" smtClean="0"/>
-          </a:p>
-          <a:p>
-            <a:r>
-              <a:rPr lang="en-US" altLang="zh-CN" dirty="0" smtClean="0"/>
-              <a:t>Post-Hoc Methods</a:t>
-            </a:r>
-          </a:p>
-          <a:p>
-            <a:pPr lvl="1"/>
-            <a:r>
-              <a:rPr lang="en-US" altLang="zh-CN" dirty="0"/>
-              <a:t>Post-hoc techniques allow models to be trained normally, with explainability only being incorporated at testing time.</a:t>
-            </a:r>
-            <a:endParaRPr lang="zh-CN" altLang="en-US" dirty="0"/>
-          </a:p>
-        </p:txBody>
-      </p:sp>
+        </p:nvPicPr>
+        <p:blipFill>
+          <a:blip r:embed="rId2"/>
+          <a:stretch>
+            <a:fillRect/>
+          </a:stretch>
+        </p:blipFill>
+        <p:spPr>
+          <a:xfrm>
+            <a:off x="838200" y="1690688"/>
+            <a:ext cx="10345796" cy="4683218"/>
+          </a:xfrm>
+          <a:prstGeom prst="rect">
+            <a:avLst/>
+          </a:prstGeom>
+        </p:spPr>
+      </p:pic>
     </p:spTree>
     <p:extLst>
       <p:ext uri="{BB962C8B-B14F-4D97-AF65-F5344CB8AC3E}">
-        <p14:creationId xmlns:p14="http://schemas.microsoft.com/office/powerpoint/2010/main" val="2148206336"/>
+        <p14:creationId xmlns:p14="http://schemas.microsoft.com/office/powerpoint/2010/main" val="4117899165"/>
       </p:ext>
     </p:extLst>
   </p:cSld>
   <p:clrMapOvr>
     <a:masterClrMapping/>
   </p:clrMapOvr>
-  <p:timing>
-    <p:tnLst>
-      <p:par>
-        <p:cTn id="1" dur="indefinite" restart="never" nodeType="tmRoot"/>
-      </p:par>
-    </p:tnLst>
-  </p:timing>
 </p:sld>
 </file>
 
@@ -4725,43 +4939,52 @@
           <a:p>
             <a:r>
               <a:rPr lang="en-US" altLang="zh-CN" dirty="0" smtClean="0"/>
+              <a:t>Methods</a:t>
+            </a:r>
+            <a:endParaRPr lang="zh-CN" altLang="en-US" dirty="0"/>
+          </a:p>
+        </p:txBody>
+      </p:sp>
+      <p:sp>
+        <p:nvSpPr>
+          <p:cNvPr id="3" name="内容占位符 2"/>
+          <p:cNvSpPr>
+            <a:spLocks noGrp="1"/>
+          </p:cNvSpPr>
+          <p:nvPr>
+            <p:ph idx="1"/>
+          </p:nvPr>
+        </p:nvSpPr>
+        <p:spPr/>
+        <p:txBody>
+          <a:bodyPr/>
+          <a:lstStyle/>
+          <a:p>
+            <a:r>
+              <a:rPr lang="en-US" altLang="zh-CN" dirty="0" smtClean="0"/>
               <a:t>Ante-Hoc Methods</a:t>
             </a:r>
-            <a:endParaRPr lang="zh-CN" altLang="en-US" dirty="0"/>
-          </a:p>
-        </p:txBody>
-      </p:sp>
-      <p:sp>
-        <p:nvSpPr>
-          <p:cNvPr id="3" name="内容占位符 2"/>
-          <p:cNvSpPr>
-            <a:spLocks noGrp="1"/>
-          </p:cNvSpPr>
-          <p:nvPr>
-            <p:ph idx="1"/>
-          </p:nvPr>
-        </p:nvSpPr>
-        <p:spPr/>
-        <p:txBody>
-          <a:bodyPr>
-            <a:normAutofit/>
-          </a:bodyPr>
-          <a:lstStyle/>
+          </a:p>
+          <a:p>
+            <a:pPr lvl="1"/>
+            <a:r>
+              <a:rPr lang="en-US" altLang="zh-CN" dirty="0"/>
+              <a:t>Ante-hoc techniques entail baking explainability into a model from the beginning.</a:t>
+            </a:r>
+            <a:endParaRPr lang="en-US" altLang="zh-CN" dirty="0" smtClean="0"/>
+          </a:p>
           <a:p>
             <a:r>
               <a:rPr lang="en-US" altLang="zh-CN" dirty="0" smtClean="0"/>
-              <a:t>Reversed Time Attention Model (RETAIN)</a:t>
+              <a:t>Post-Hoc Methods</a:t>
             </a:r>
           </a:p>
           <a:p>
             <a:pPr lvl="1"/>
             <a:r>
               <a:rPr lang="en-US" altLang="zh-CN" dirty="0"/>
-              <a:t>The attention mechanism helped explain which part the neural network was focusing on and which features helped influence its choice.</a:t>
-            </a:r>
-            <a:endParaRPr lang="en-US" altLang="zh-CN" dirty="0" smtClean="0"/>
-          </a:p>
-          <a:p>
+              <a:t>Post-hoc techniques allow models to be trained normally, with explainability only being incorporated at testing time.</a:t>
+            </a:r>
             <a:endParaRPr lang="zh-CN" altLang="en-US" dirty="0"/>
           </a:p>
         </p:txBody>
@@ -4769,7 +4992,7 @@
     </p:spTree>
     <p:extLst>
       <p:ext uri="{BB962C8B-B14F-4D97-AF65-F5344CB8AC3E}">
-        <p14:creationId xmlns:p14="http://schemas.microsoft.com/office/powerpoint/2010/main" val="2171683806"/>
+        <p14:creationId xmlns:p14="http://schemas.microsoft.com/office/powerpoint/2010/main" val="2148206336"/>
       </p:ext>
     </p:extLst>
   </p:cSld>
@@ -4838,20 +5061,23 @@
         </p:nvSpPr>
         <p:spPr/>
         <p:txBody>
-          <a:bodyPr/>
+          <a:bodyPr>
+            <a:normAutofit/>
+          </a:bodyPr>
           <a:lstStyle/>
           <a:p>
             <a:r>
               <a:rPr lang="en-US" altLang="zh-CN" dirty="0" smtClean="0"/>
-              <a:t>Bayesian Deep Learning (BDL)</a:t>
+              <a:t>Reversed Time Attention Model (RETAIN)</a:t>
             </a:r>
           </a:p>
           <a:p>
             <a:pPr lvl="1"/>
             <a:r>
-              <a:rPr lang="en-US" altLang="zh-CN" dirty="0" smtClean="0"/>
-              <a:t>BDL enables one to gauge how uncertain a neural network is about its predictions. These deep architectures can model complex tasks by leveraging the hierarchical representation power of deep learning, while also being able to infer complex multi-modal posterior distributions. Bayesian deep learning models typically form uncertainty estimates by either placing distributions over model weights, or by learning a direct mapping to probabilistic outputs. By knowing the weight distributions of various predictions and classes, we can tell a lot about what feature led to what decisions and the relative important of it.</a:t>
-            </a:r>
+              <a:rPr lang="en-US" altLang="zh-CN" dirty="0"/>
+              <a:t>The attention mechanism helped explain which part the neural network was focusing on and which features helped influence its choice.</a:t>
+            </a:r>
+            <a:endParaRPr lang="en-US" altLang="zh-CN" dirty="0" smtClean="0"/>
           </a:p>
           <a:p>
             <a:endParaRPr lang="zh-CN" altLang="en-US" dirty="0"/>
@@ -4861,13 +5087,20 @@
     </p:spTree>
     <p:extLst>
       <p:ext uri="{BB962C8B-B14F-4D97-AF65-F5344CB8AC3E}">
-        <p14:creationId xmlns:p14="http://schemas.microsoft.com/office/powerpoint/2010/main" val="1676451032"/>
+        <p14:creationId xmlns:p14="http://schemas.microsoft.com/office/powerpoint/2010/main" val="2171683806"/>
       </p:ext>
     </p:extLst>
   </p:cSld>
   <p:clrMapOvr>
     <a:masterClrMapping/>
   </p:clrMapOvr>
+  <p:timing>
+    <p:tnLst>
+      <p:par>
+        <p:cTn id="1" dur="indefinite" restart="never" nodeType="tmRoot"/>
+      </p:par>
+    </p:tnLst>
+  </p:timing>
 </p:sld>
 </file>
 

--- a/computer_science/ai/xai/xai.pptx
+++ b/computer_science/ai/xai/xai.pptx
@@ -209,7 +209,7 @@
           <a:p>
             <a:fld id="{BB446247-C202-411B-B130-2BA2325D0A2F}" type="datetimeFigureOut">
               <a:rPr lang="zh-CN" altLang="en-US" smtClean="0"/>
-              <a:t>2019/4/3</a:t>
+              <a:t>2019/6/5</a:t>
             </a:fld>
             <a:endParaRPr lang="zh-CN" altLang="en-US"/>
           </a:p>
@@ -776,11 +776,7 @@
           <a:p>
             <a:r>
               <a:rPr lang="en-US" altLang="zh-CN" dirty="0" smtClean="0"/>
-              <a:t>Facilitating </a:t>
-            </a:r>
-            <a:r>
-              <a:rPr lang="en-US" altLang="zh-CN" dirty="0" smtClean="0"/>
-              <a:t>improvement (</a:t>
+              <a:t>Facilitating improvement (</a:t>
             </a:r>
             <a:r>
               <a:rPr lang="zh-CN" altLang="en-US" dirty="0" smtClean="0"/>
@@ -813,15 +809,7 @@
                   <a:schemeClr val="tx1"/>
                 </a:solidFill>
               </a:rPr>
-              <a:t>Eliminating </a:t>
-            </a:r>
-            <a:r>
-              <a:rPr lang="en-US" altLang="zh-CN" u="none" dirty="0" smtClean="0">
-                <a:solidFill>
-                  <a:schemeClr val="tx1"/>
-                </a:solidFill>
-              </a:rPr>
-              <a:t>Overfitting (</a:t>
+              <a:t>Eliminating Overfitting (</a:t>
             </a:r>
             <a:r>
               <a:rPr lang="zh-CN" altLang="en-US" u="none" dirty="0" smtClean="0">
@@ -886,6 +874,109 @@
     <p:extLst>
       <p:ext uri="{BB962C8B-B14F-4D97-AF65-F5344CB8AC3E}">
         <p14:creationId xmlns:p14="http://schemas.microsoft.com/office/powerpoint/2010/main" val="1601053653"/>
+      </p:ext>
+    </p:extLst>
+  </p:cSld>
+  <p:clrMapOvr>
+    <a:masterClrMapping/>
+  </p:clrMapOvr>
+</p:notes>
+</file>
+
+<file path=ppt/notesSlides/notesSlide4.xml><?xml version="1.0" encoding="utf-8"?>
+<p:notes xmlns:a="http://schemas.openxmlformats.org/drawingml/2006/main" xmlns:r="http://schemas.openxmlformats.org/officeDocument/2006/relationships" xmlns:p="http://schemas.openxmlformats.org/presentationml/2006/main">
+  <p:cSld>
+    <p:spTree>
+      <p:nvGrpSpPr>
+        <p:cNvPr id="1" name=""/>
+        <p:cNvGrpSpPr/>
+        <p:nvPr/>
+      </p:nvGrpSpPr>
+      <p:grpSpPr>
+        <a:xfrm>
+          <a:off x="0" y="0"/>
+          <a:ext cx="0" cy="0"/>
+          <a:chOff x="0" y="0"/>
+          <a:chExt cx="0" cy="0"/>
+        </a:xfrm>
+      </p:grpSpPr>
+      <p:sp>
+        <p:nvSpPr>
+          <p:cNvPr id="2" name="幻灯片图像占位符 1"/>
+          <p:cNvSpPr>
+            <a:spLocks noGrp="1" noRot="1" noChangeAspect="1"/>
+          </p:cNvSpPr>
+          <p:nvPr>
+            <p:ph type="sldImg"/>
+          </p:nvPr>
+        </p:nvSpPr>
+        <p:spPr/>
+      </p:sp>
+      <p:sp>
+        <p:nvSpPr>
+          <p:cNvPr id="3" name="备注占位符 2"/>
+          <p:cNvSpPr>
+            <a:spLocks noGrp="1"/>
+          </p:cNvSpPr>
+          <p:nvPr>
+            <p:ph type="body" idx="1"/>
+          </p:nvPr>
+        </p:nvSpPr>
+        <p:spPr/>
+        <p:txBody>
+          <a:bodyPr/>
+          <a:lstStyle/>
+          <a:p>
+            <a:r>
+              <a:rPr lang="en-US" altLang="zh-CN" dirty="0" smtClean="0"/>
+              <a:t>perturbation</a:t>
+            </a:r>
+            <a:r>
+              <a:rPr lang="zh-CN" altLang="en-US" dirty="0" smtClean="0"/>
+              <a:t>： 微扰， 小变异，忧虑，不安，烦恼</a:t>
+            </a:r>
+            <a:endParaRPr lang="en-US" altLang="zh-CN" dirty="0" smtClean="0"/>
+          </a:p>
+          <a:p>
+            <a:r>
+              <a:rPr lang="en-US" altLang="zh-CN" dirty="0" smtClean="0"/>
+              <a:t>prominent</a:t>
+            </a:r>
+            <a:r>
+              <a:rPr lang="zh-CN" altLang="en-US" dirty="0" smtClean="0"/>
+              <a:t>：重要的，显著的，突出的</a:t>
+            </a:r>
+            <a:endParaRPr lang="zh-CN" altLang="en-US" dirty="0"/>
+          </a:p>
+        </p:txBody>
+      </p:sp>
+      <p:sp>
+        <p:nvSpPr>
+          <p:cNvPr id="4" name="灯片编号占位符 3"/>
+          <p:cNvSpPr>
+            <a:spLocks noGrp="1"/>
+          </p:cNvSpPr>
+          <p:nvPr>
+            <p:ph type="sldNum" sz="quarter" idx="10"/>
+          </p:nvPr>
+        </p:nvSpPr>
+        <p:spPr/>
+        <p:txBody>
+          <a:bodyPr/>
+          <a:lstStyle/>
+          <a:p>
+            <a:fld id="{88F32C15-CB80-4936-BF59-C0B6C001E6AF}" type="slidenum">
+              <a:rPr lang="zh-CN" altLang="en-US" smtClean="0"/>
+              <a:t>11</a:t>
+            </a:fld>
+            <a:endParaRPr lang="zh-CN" altLang="en-US"/>
+          </a:p>
+        </p:txBody>
+      </p:sp>
+    </p:spTree>
+    <p:extLst>
+      <p:ext uri="{BB962C8B-B14F-4D97-AF65-F5344CB8AC3E}">
+        <p14:creationId xmlns:p14="http://schemas.microsoft.com/office/powerpoint/2010/main" val="2060552071"/>
       </p:ext>
     </p:extLst>
   </p:cSld>
@@ -1026,7 +1117,7 @@
           <a:p>
             <a:fld id="{85CDC5AA-F08D-4DF5-8773-B91CE5BA1C39}" type="datetimeFigureOut">
               <a:rPr lang="zh-CN" altLang="en-US" smtClean="0"/>
-              <a:t>2019/4/3</a:t>
+              <a:t>2019/6/5</a:t>
             </a:fld>
             <a:endParaRPr lang="zh-CN" altLang="en-US"/>
           </a:p>
@@ -1196,7 +1287,7 @@
           <a:p>
             <a:fld id="{85CDC5AA-F08D-4DF5-8773-B91CE5BA1C39}" type="datetimeFigureOut">
               <a:rPr lang="zh-CN" altLang="en-US" smtClean="0"/>
-              <a:t>2019/4/3</a:t>
+              <a:t>2019/6/5</a:t>
             </a:fld>
             <a:endParaRPr lang="zh-CN" altLang="en-US"/>
           </a:p>
@@ -1376,7 +1467,7 @@
           <a:p>
             <a:fld id="{85CDC5AA-F08D-4DF5-8773-B91CE5BA1C39}" type="datetimeFigureOut">
               <a:rPr lang="zh-CN" altLang="en-US" smtClean="0"/>
-              <a:t>2019/4/3</a:t>
+              <a:t>2019/6/5</a:t>
             </a:fld>
             <a:endParaRPr lang="zh-CN" altLang="en-US"/>
           </a:p>
@@ -1552,7 +1643,7 @@
           <a:p>
             <a:fld id="{85CDC5AA-F08D-4DF5-8773-B91CE5BA1C39}" type="datetimeFigureOut">
               <a:rPr lang="zh-CN" altLang="en-US" smtClean="0"/>
-              <a:t>2019/4/3</a:t>
+              <a:t>2019/6/5</a:t>
             </a:fld>
             <a:endParaRPr lang="zh-CN" altLang="en-US"/>
           </a:p>
@@ -1798,7 +1889,7 @@
           <a:p>
             <a:fld id="{85CDC5AA-F08D-4DF5-8773-B91CE5BA1C39}" type="datetimeFigureOut">
               <a:rPr lang="zh-CN" altLang="en-US" smtClean="0"/>
-              <a:t>2019/4/3</a:t>
+              <a:t>2019/6/5</a:t>
             </a:fld>
             <a:endParaRPr lang="zh-CN" altLang="en-US"/>
           </a:p>
@@ -2030,7 +2121,7 @@
           <a:p>
             <a:fld id="{85CDC5AA-F08D-4DF5-8773-B91CE5BA1C39}" type="datetimeFigureOut">
               <a:rPr lang="zh-CN" altLang="en-US" smtClean="0"/>
-              <a:t>2019/4/3</a:t>
+              <a:t>2019/6/5</a:t>
             </a:fld>
             <a:endParaRPr lang="zh-CN" altLang="en-US"/>
           </a:p>
@@ -2397,7 +2488,7 @@
           <a:p>
             <a:fld id="{85CDC5AA-F08D-4DF5-8773-B91CE5BA1C39}" type="datetimeFigureOut">
               <a:rPr lang="zh-CN" altLang="en-US" smtClean="0"/>
-              <a:t>2019/4/3</a:t>
+              <a:t>2019/6/5</a:t>
             </a:fld>
             <a:endParaRPr lang="zh-CN" altLang="en-US"/>
           </a:p>
@@ -2515,7 +2606,7 @@
           <a:p>
             <a:fld id="{85CDC5AA-F08D-4DF5-8773-B91CE5BA1C39}" type="datetimeFigureOut">
               <a:rPr lang="zh-CN" altLang="en-US" smtClean="0"/>
-              <a:t>2019/4/3</a:t>
+              <a:t>2019/6/5</a:t>
             </a:fld>
             <a:endParaRPr lang="zh-CN" altLang="en-US"/>
           </a:p>
@@ -2610,7 +2701,7 @@
           <a:p>
             <a:fld id="{85CDC5AA-F08D-4DF5-8773-B91CE5BA1C39}" type="datetimeFigureOut">
               <a:rPr lang="zh-CN" altLang="en-US" smtClean="0"/>
-              <a:t>2019/4/3</a:t>
+              <a:t>2019/6/5</a:t>
             </a:fld>
             <a:endParaRPr lang="zh-CN" altLang="en-US"/>
           </a:p>
@@ -2887,7 +2978,7 @@
           <a:p>
             <a:fld id="{85CDC5AA-F08D-4DF5-8773-B91CE5BA1C39}" type="datetimeFigureOut">
               <a:rPr lang="zh-CN" altLang="en-US" smtClean="0"/>
-              <a:t>2019/4/3</a:t>
+              <a:t>2019/6/5</a:t>
             </a:fld>
             <a:endParaRPr lang="zh-CN" altLang="en-US"/>
           </a:p>
@@ -3140,7 +3231,7 @@
           <a:p>
             <a:fld id="{85CDC5AA-F08D-4DF5-8773-B91CE5BA1C39}" type="datetimeFigureOut">
               <a:rPr lang="zh-CN" altLang="en-US" smtClean="0"/>
-              <a:t>2019/4/3</a:t>
+              <a:t>2019/6/5</a:t>
             </a:fld>
             <a:endParaRPr lang="zh-CN" altLang="en-US"/>
           </a:p>
@@ -3353,7 +3444,7 @@
           <a:p>
             <a:fld id="{85CDC5AA-F08D-4DF5-8773-B91CE5BA1C39}" type="datetimeFigureOut">
               <a:rPr lang="zh-CN" altLang="en-US" smtClean="0"/>
-              <a:t>2019/4/3</a:t>
+              <a:t>2019/6/5</a:t>
             </a:fld>
             <a:endParaRPr lang="zh-CN" altLang="en-US"/>
           </a:p>
@@ -4013,7 +4104,79 @@
             <a:pPr lvl="1"/>
             <a:r>
               <a:rPr lang="en-US" altLang="zh-CN" dirty="0"/>
-              <a:t>This isn’t a purely transparent model as it provides the explanation after a decision has been made. Hence it can have wide range of applications as it isn’t customized to one domain unlike RETAIN. For example for an image classification problem using a CNN, we get the probability distribution over classes. Then we make small changes to input to see how it affects the distribution and collect the results. Then using a linear interpretable model, on the collected perturbation set, we can explain changed in the key features extracted with their weights telling us how prominent they are. It blacks out different parts of the original image and feeds the resulting “perturbed” images back through the model, checking to see which perturbations throw the algorithm off the furthest to derive reasoning behind the algorithms decisions. For example, for an image of a tree frog, LIME found that erasing parts of the frog’s face made it much harder for the model to identify the image, showing that much of the original classification decision was based on the frog’s face. LIME is generally applicable to image classifications tasks.</a:t>
+              <a:t>This </a:t>
+            </a:r>
+            <a:r>
+              <a:rPr lang="en-US" altLang="zh-CN" dirty="0">
+                <a:solidFill>
+                  <a:srgbClr val="FF0000"/>
+                </a:solidFill>
+              </a:rPr>
+              <a:t>isn’t a purely </a:t>
+            </a:r>
+            <a:r>
+              <a:rPr lang="en-US" altLang="zh-CN" dirty="0"/>
+              <a:t>transparent model as it provides the explanation </a:t>
+            </a:r>
+            <a:r>
+              <a:rPr lang="en-US" altLang="zh-CN" dirty="0">
+                <a:solidFill>
+                  <a:srgbClr val="FF0000"/>
+                </a:solidFill>
+              </a:rPr>
+              <a:t>after</a:t>
+            </a:r>
+            <a:r>
+              <a:rPr lang="en-US" altLang="zh-CN" dirty="0"/>
+              <a:t> a decision has been made. Hence it can have wide range of applications as it isn’t customized to one domain unlike RETAIN. For example for an image classification problem using a CNN, we get the probability distribution over classes. Then </a:t>
+            </a:r>
+            <a:r>
+              <a:rPr lang="en-US" altLang="zh-CN" dirty="0">
+                <a:solidFill>
+                  <a:srgbClr val="FF0000"/>
+                </a:solidFill>
+              </a:rPr>
+              <a:t>we make small changes to input</a:t>
+            </a:r>
+            <a:r>
+              <a:rPr lang="en-US" altLang="zh-CN" dirty="0"/>
+              <a:t> to see how it </a:t>
+            </a:r>
+            <a:r>
+              <a:rPr lang="en-US" altLang="zh-CN" dirty="0">
+                <a:solidFill>
+                  <a:srgbClr val="FF0000"/>
+                </a:solidFill>
+              </a:rPr>
+              <a:t>affects the distribution</a:t>
+            </a:r>
+            <a:r>
+              <a:rPr lang="en-US" altLang="zh-CN" dirty="0"/>
+              <a:t> and collect the results. Then using a </a:t>
+            </a:r>
+            <a:r>
+              <a:rPr lang="en-US" altLang="zh-CN" dirty="0">
+                <a:solidFill>
+                  <a:srgbClr val="FF0000"/>
+                </a:solidFill>
+              </a:rPr>
+              <a:t>linear interpretable model</a:t>
+            </a:r>
+            <a:r>
+              <a:rPr lang="en-US" altLang="zh-CN" dirty="0"/>
+              <a:t>, on the collected perturbation set, we can explain changed in the key features extracted with their weights telling us how prominent they are. It </a:t>
+            </a:r>
+            <a:r>
+              <a:rPr lang="en-US" altLang="zh-CN" dirty="0">
+                <a:solidFill>
+                  <a:srgbClr val="FF0000"/>
+                </a:solidFill>
+              </a:rPr>
+              <a:t>blacks out different parts of the original image </a:t>
+            </a:r>
+            <a:r>
+              <a:rPr lang="en-US" altLang="zh-CN" dirty="0"/>
+              <a:t>and feeds the resulting “perturbed” images back through the model, checking to see which perturbations throw the algorithm off the furthest to derive reasoning behind the algorithms decisions. For example, for an image of a tree frog, LIME found that erasing parts of the frog’s face made it much harder for the model to identify the image, showing that much of the original classification decision was based on the frog’s face. LIME is generally applicable to image classifications tasks.</a:t>
             </a:r>
             <a:endParaRPr lang="en-US" altLang="zh-CN" dirty="0" smtClean="0"/>
           </a:p>
